--- a/docs/images/image_ppt.pptx
+++ b/docs/images/image_ppt.pptx
@@ -9,6 +9,7 @@
     <p:sldId id="257" r:id="rId3"/>
     <p:sldId id="258" r:id="rId4"/>
     <p:sldId id="259" r:id="rId5"/>
+    <p:sldId id="260" r:id="rId6"/>
   </p:sldIdLst>
   <p:sldSz cx="12192000" cy="6858000"/>
   <p:notesSz cx="6858000" cy="9144000"/>
@@ -107,6 +108,11 @@
       </a:defRPr>
     </a:lvl9pPr>
   </p:defaultTextStyle>
+  <p:extLst>
+    <p:ext uri="{EFAFB233-063F-42B5-8137-9DF3F51BA10A}">
+      <p15:sldGuideLst xmlns:p15="http://schemas.microsoft.com/office/powerpoint/2012/main"/>
+    </p:ext>
+  </p:extLst>
 </p:presentation>
 </file>
 
@@ -257,7 +263,7 @@
           <a:p>
             <a:fld id="{80339CCA-B3FF-48E6-8D3D-C80D833CA193}" type="datetimeFigureOut">
               <a:rPr lang="en-US" smtClean="0"/>
-              <a:t>2018-10-17</a:t>
+              <a:t>2018-10-31</a:t>
             </a:fld>
             <a:endParaRPr lang="en-US"/>
           </a:p>
@@ -455,7 +461,7 @@
           <a:p>
             <a:fld id="{80339CCA-B3FF-48E6-8D3D-C80D833CA193}" type="datetimeFigureOut">
               <a:rPr lang="en-US" smtClean="0"/>
-              <a:t>2018-10-17</a:t>
+              <a:t>2018-10-31</a:t>
             </a:fld>
             <a:endParaRPr lang="en-US"/>
           </a:p>
@@ -663,7 +669,7 @@
           <a:p>
             <a:fld id="{80339CCA-B3FF-48E6-8D3D-C80D833CA193}" type="datetimeFigureOut">
               <a:rPr lang="en-US" smtClean="0"/>
-              <a:t>2018-10-17</a:t>
+              <a:t>2018-10-31</a:t>
             </a:fld>
             <a:endParaRPr lang="en-US"/>
           </a:p>
@@ -861,7 +867,7 @@
           <a:p>
             <a:fld id="{80339CCA-B3FF-48E6-8D3D-C80D833CA193}" type="datetimeFigureOut">
               <a:rPr lang="en-US" smtClean="0"/>
-              <a:t>2018-10-17</a:t>
+              <a:t>2018-10-31</a:t>
             </a:fld>
             <a:endParaRPr lang="en-US"/>
           </a:p>
@@ -1136,7 +1142,7 @@
           <a:p>
             <a:fld id="{80339CCA-B3FF-48E6-8D3D-C80D833CA193}" type="datetimeFigureOut">
               <a:rPr lang="en-US" smtClean="0"/>
-              <a:t>2018-10-17</a:t>
+              <a:t>2018-10-31</a:t>
             </a:fld>
             <a:endParaRPr lang="en-US"/>
           </a:p>
@@ -1401,7 +1407,7 @@
           <a:p>
             <a:fld id="{80339CCA-B3FF-48E6-8D3D-C80D833CA193}" type="datetimeFigureOut">
               <a:rPr lang="en-US" smtClean="0"/>
-              <a:t>2018-10-17</a:t>
+              <a:t>2018-10-31</a:t>
             </a:fld>
             <a:endParaRPr lang="en-US"/>
           </a:p>
@@ -1813,7 +1819,7 @@
           <a:p>
             <a:fld id="{80339CCA-B3FF-48E6-8D3D-C80D833CA193}" type="datetimeFigureOut">
               <a:rPr lang="en-US" smtClean="0"/>
-              <a:t>2018-10-17</a:t>
+              <a:t>2018-10-31</a:t>
             </a:fld>
             <a:endParaRPr lang="en-US"/>
           </a:p>
@@ -1954,7 +1960,7 @@
           <a:p>
             <a:fld id="{80339CCA-B3FF-48E6-8D3D-C80D833CA193}" type="datetimeFigureOut">
               <a:rPr lang="en-US" smtClean="0"/>
-              <a:t>2018-10-17</a:t>
+              <a:t>2018-10-31</a:t>
             </a:fld>
             <a:endParaRPr lang="en-US"/>
           </a:p>
@@ -2067,7 +2073,7 @@
           <a:p>
             <a:fld id="{80339CCA-B3FF-48E6-8D3D-C80D833CA193}" type="datetimeFigureOut">
               <a:rPr lang="en-US" smtClean="0"/>
-              <a:t>2018-10-17</a:t>
+              <a:t>2018-10-31</a:t>
             </a:fld>
             <a:endParaRPr lang="en-US"/>
           </a:p>
@@ -2378,7 +2384,7 @@
           <a:p>
             <a:fld id="{80339CCA-B3FF-48E6-8D3D-C80D833CA193}" type="datetimeFigureOut">
               <a:rPr lang="en-US" smtClean="0"/>
-              <a:t>2018-10-17</a:t>
+              <a:t>2018-10-31</a:t>
             </a:fld>
             <a:endParaRPr lang="en-US"/>
           </a:p>
@@ -2666,7 +2672,7 @@
           <a:p>
             <a:fld id="{80339CCA-B3FF-48E6-8D3D-C80D833CA193}" type="datetimeFigureOut">
               <a:rPr lang="en-US" smtClean="0"/>
-              <a:t>2018-10-17</a:t>
+              <a:t>2018-10-31</a:t>
             </a:fld>
             <a:endParaRPr lang="en-US"/>
           </a:p>
@@ -2907,7 +2913,7 @@
           <a:p>
             <a:fld id="{80339CCA-B3FF-48E6-8D3D-C80D833CA193}" type="datetimeFigureOut">
               <a:rPr lang="en-US" smtClean="0"/>
-              <a:t>2018-10-17</a:t>
+              <a:t>2018-10-31</a:t>
             </a:fld>
             <a:endParaRPr lang="en-US"/>
           </a:p>
@@ -7178,14 +7184,11 @@
             <a:lstStyle/>
             <a:p>
               <a:pPr algn="ctr"/>
-              <a:r>
-                <a:rPr lang="en-US" dirty="0">
-                  <a:solidFill>
-                    <a:schemeClr val="tx1"/>
-                  </a:solidFill>
-                </a:rPr>
-                <a:t>4</a:t>
-              </a:r>
+              <a:endParaRPr lang="en-US" dirty="0">
+                <a:solidFill>
+                  <a:schemeClr val="tx1"/>
+                </a:solidFill>
+              </a:endParaRPr>
             </a:p>
           </p:txBody>
         </p:sp>
@@ -7232,14 +7235,11 @@
             <a:lstStyle/>
             <a:p>
               <a:pPr algn="ctr"/>
-              <a:r>
-                <a:rPr lang="en-US" dirty="0">
-                  <a:solidFill>
-                    <a:schemeClr val="tx1"/>
-                  </a:solidFill>
-                </a:rPr>
-                <a:t>0</a:t>
-              </a:r>
+              <a:endParaRPr lang="en-US" dirty="0">
+                <a:solidFill>
+                  <a:schemeClr val="tx1"/>
+                </a:solidFill>
+              </a:endParaRPr>
             </a:p>
           </p:txBody>
         </p:sp>
@@ -7286,14 +7286,11 @@
             <a:lstStyle/>
             <a:p>
               <a:pPr algn="ctr"/>
-              <a:r>
-                <a:rPr lang="en-US" dirty="0">
-                  <a:solidFill>
-                    <a:schemeClr val="tx1"/>
-                  </a:solidFill>
-                </a:rPr>
-                <a:t>2</a:t>
-              </a:r>
+              <a:endParaRPr lang="en-US" dirty="0">
+                <a:solidFill>
+                  <a:schemeClr val="tx1"/>
+                </a:solidFill>
+              </a:endParaRPr>
             </a:p>
           </p:txBody>
         </p:sp>
@@ -7340,14 +7337,11 @@
             <a:lstStyle/>
             <a:p>
               <a:pPr algn="ctr"/>
-              <a:r>
-                <a:rPr lang="en-US" dirty="0">
-                  <a:solidFill>
-                    <a:schemeClr val="tx1"/>
-                  </a:solidFill>
-                </a:rPr>
-                <a:t>1</a:t>
-              </a:r>
+              <a:endParaRPr lang="en-US" dirty="0">
+                <a:solidFill>
+                  <a:schemeClr val="tx1"/>
+                </a:solidFill>
+              </a:endParaRPr>
             </a:p>
           </p:txBody>
         </p:sp>
@@ -7394,14 +7388,11 @@
             <a:lstStyle/>
             <a:p>
               <a:pPr algn="ctr"/>
-              <a:r>
-                <a:rPr lang="en-US" dirty="0">
-                  <a:solidFill>
-                    <a:schemeClr val="tx1"/>
-                  </a:solidFill>
-                </a:rPr>
-                <a:t>3</a:t>
-              </a:r>
+              <a:endParaRPr lang="en-US" dirty="0">
+                <a:solidFill>
+                  <a:schemeClr val="tx1"/>
+                </a:solidFill>
+              </a:endParaRPr>
             </a:p>
           </p:txBody>
         </p:sp>
@@ -7448,14 +7439,11 @@
             <a:lstStyle/>
             <a:p>
               <a:pPr algn="ctr"/>
-              <a:r>
-                <a:rPr lang="en-US" dirty="0">
-                  <a:solidFill>
-                    <a:schemeClr val="tx1"/>
-                  </a:solidFill>
-                </a:rPr>
-                <a:t>2</a:t>
-              </a:r>
+              <a:endParaRPr lang="en-US" dirty="0">
+                <a:solidFill>
+                  <a:schemeClr val="tx1"/>
+                </a:solidFill>
+              </a:endParaRPr>
             </a:p>
           </p:txBody>
         </p:sp>
@@ -7502,14 +7490,11 @@
             <a:lstStyle/>
             <a:p>
               <a:pPr algn="ctr"/>
-              <a:r>
-                <a:rPr lang="en-US" dirty="0">
-                  <a:solidFill>
-                    <a:schemeClr val="tx1"/>
-                  </a:solidFill>
-                </a:rPr>
-                <a:t>4</a:t>
-              </a:r>
+              <a:endParaRPr lang="en-US" dirty="0">
+                <a:solidFill>
+                  <a:schemeClr val="tx1"/>
+                </a:solidFill>
+              </a:endParaRPr>
             </a:p>
           </p:txBody>
         </p:sp>
@@ -7556,14 +7541,11 @@
             <a:lstStyle/>
             <a:p>
               <a:pPr algn="ctr"/>
-              <a:r>
-                <a:rPr lang="en-US" dirty="0">
-                  <a:solidFill>
-                    <a:schemeClr val="tx1"/>
-                  </a:solidFill>
-                </a:rPr>
-                <a:t>7</a:t>
-              </a:r>
+              <a:endParaRPr lang="en-US" dirty="0">
+                <a:solidFill>
+                  <a:schemeClr val="tx1"/>
+                </a:solidFill>
+              </a:endParaRPr>
             </a:p>
           </p:txBody>
         </p:sp>
@@ -7610,14 +7592,11 @@
             <a:lstStyle/>
             <a:p>
               <a:pPr algn="ctr"/>
-              <a:r>
-                <a:rPr lang="en-US" dirty="0">
-                  <a:solidFill>
-                    <a:schemeClr val="tx1"/>
-                  </a:solidFill>
-                </a:rPr>
-                <a:t>5</a:t>
-              </a:r>
+              <a:endParaRPr lang="en-US" dirty="0">
+                <a:solidFill>
+                  <a:schemeClr val="tx1"/>
+                </a:solidFill>
+              </a:endParaRPr>
             </a:p>
           </p:txBody>
         </p:sp>
@@ -7664,14 +7643,11 @@
             <a:lstStyle/>
             <a:p>
               <a:pPr algn="ctr"/>
-              <a:r>
-                <a:rPr lang="en-US" dirty="0">
-                  <a:solidFill>
-                    <a:schemeClr val="tx1"/>
-                  </a:solidFill>
-                </a:rPr>
-                <a:t>4</a:t>
-              </a:r>
+              <a:endParaRPr lang="en-US" dirty="0">
+                <a:solidFill>
+                  <a:schemeClr val="tx1"/>
+                </a:solidFill>
+              </a:endParaRPr>
             </a:p>
           </p:txBody>
         </p:sp>
@@ -7718,14 +7694,11 @@
             <a:lstStyle/>
             <a:p>
               <a:pPr algn="ctr"/>
-              <a:r>
-                <a:rPr lang="en-US" dirty="0">
-                  <a:solidFill>
-                    <a:schemeClr val="tx1"/>
-                  </a:solidFill>
-                </a:rPr>
-                <a:t>0</a:t>
-              </a:r>
+              <a:endParaRPr lang="en-US" dirty="0">
+                <a:solidFill>
+                  <a:schemeClr val="tx1"/>
+                </a:solidFill>
+              </a:endParaRPr>
             </a:p>
           </p:txBody>
         </p:sp>
@@ -7772,14 +7745,11 @@
             <a:lstStyle/>
             <a:p>
               <a:pPr algn="ctr"/>
-              <a:r>
-                <a:rPr lang="en-US" dirty="0">
-                  <a:solidFill>
-                    <a:schemeClr val="tx1"/>
-                  </a:solidFill>
-                </a:rPr>
-                <a:t>9</a:t>
-              </a:r>
+              <a:endParaRPr lang="en-US" dirty="0">
+                <a:solidFill>
+                  <a:schemeClr val="tx1"/>
+                </a:solidFill>
+              </a:endParaRPr>
             </a:p>
           </p:txBody>
         </p:sp>
@@ -7896,14 +7866,11 @@
             <a:lstStyle/>
             <a:p>
               <a:pPr algn="ctr"/>
-              <a:r>
-                <a:rPr lang="en-US" dirty="0">
-                  <a:solidFill>
-                    <a:schemeClr val="tx1"/>
-                  </a:solidFill>
-                </a:rPr>
-                <a:t>0</a:t>
-              </a:r>
+              <a:endParaRPr lang="en-US" dirty="0">
+                <a:solidFill>
+                  <a:schemeClr val="tx1"/>
+                </a:solidFill>
+              </a:endParaRPr>
             </a:p>
           </p:txBody>
         </p:sp>
@@ -7950,14 +7917,11 @@
             <a:lstStyle/>
             <a:p>
               <a:pPr algn="ctr"/>
-              <a:r>
-                <a:rPr lang="en-US" dirty="0">
-                  <a:solidFill>
-                    <a:schemeClr val="tx1"/>
-                  </a:solidFill>
-                </a:rPr>
-                <a:t>1</a:t>
-              </a:r>
+              <a:endParaRPr lang="en-US" dirty="0">
+                <a:solidFill>
+                  <a:schemeClr val="tx1"/>
+                </a:solidFill>
+              </a:endParaRPr>
             </a:p>
           </p:txBody>
         </p:sp>
@@ -8004,14 +7968,11 @@
             <a:lstStyle/>
             <a:p>
               <a:pPr algn="ctr"/>
-              <a:r>
-                <a:rPr lang="en-US" dirty="0">
-                  <a:solidFill>
-                    <a:schemeClr val="tx1"/>
-                  </a:solidFill>
-                </a:rPr>
-                <a:t>1</a:t>
-              </a:r>
+              <a:endParaRPr lang="en-US" dirty="0">
+                <a:solidFill>
+                  <a:schemeClr val="tx1"/>
+                </a:solidFill>
+              </a:endParaRPr>
             </a:p>
           </p:txBody>
         </p:sp>
@@ -8058,14 +8019,11 @@
             <a:lstStyle/>
             <a:p>
               <a:pPr algn="ctr"/>
-              <a:r>
-                <a:rPr lang="en-US" dirty="0">
-                  <a:solidFill>
-                    <a:schemeClr val="tx1"/>
-                  </a:solidFill>
-                </a:rPr>
-                <a:t>2</a:t>
-              </a:r>
+              <a:endParaRPr lang="en-US" dirty="0">
+                <a:solidFill>
+                  <a:schemeClr val="tx1"/>
+                </a:solidFill>
+              </a:endParaRPr>
             </a:p>
           </p:txBody>
         </p:sp>
@@ -8112,14 +8070,11 @@
             <a:lstStyle/>
             <a:p>
               <a:pPr algn="ctr"/>
-              <a:r>
-                <a:rPr lang="en-US" dirty="0">
-                  <a:solidFill>
-                    <a:schemeClr val="tx1"/>
-                  </a:solidFill>
-                </a:rPr>
-                <a:t>8</a:t>
-              </a:r>
+              <a:endParaRPr lang="en-US" dirty="0">
+                <a:solidFill>
+                  <a:schemeClr val="tx1"/>
+                </a:solidFill>
+              </a:endParaRPr>
             </a:p>
           </p:txBody>
         </p:sp>
@@ -8166,14 +8121,11 @@
             <a:lstStyle/>
             <a:p>
               <a:pPr algn="ctr"/>
-              <a:r>
-                <a:rPr lang="en-US" dirty="0">
-                  <a:solidFill>
-                    <a:schemeClr val="tx1"/>
-                  </a:solidFill>
-                </a:rPr>
-                <a:t>0</a:t>
-              </a:r>
+              <a:endParaRPr lang="en-US" dirty="0">
+                <a:solidFill>
+                  <a:schemeClr val="tx1"/>
+                </a:solidFill>
+              </a:endParaRPr>
             </a:p>
           </p:txBody>
         </p:sp>
@@ -8220,14 +8172,11 @@
             <a:lstStyle/>
             <a:p>
               <a:pPr algn="ctr"/>
-              <a:r>
-                <a:rPr lang="en-US" dirty="0">
-                  <a:solidFill>
-                    <a:schemeClr val="tx1"/>
-                  </a:solidFill>
-                </a:rPr>
-                <a:t>4</a:t>
-              </a:r>
+              <a:endParaRPr lang="en-US" dirty="0">
+                <a:solidFill>
+                  <a:schemeClr val="tx1"/>
+                </a:solidFill>
+              </a:endParaRPr>
             </a:p>
           </p:txBody>
         </p:sp>
@@ -8274,14 +8223,11 @@
             <a:lstStyle/>
             <a:p>
               <a:pPr algn="ctr"/>
-              <a:r>
-                <a:rPr lang="en-US" dirty="0">
-                  <a:solidFill>
-                    <a:schemeClr val="tx1"/>
-                  </a:solidFill>
-                </a:rPr>
-                <a:t>2</a:t>
-              </a:r>
+              <a:endParaRPr lang="en-US" dirty="0">
+                <a:solidFill>
+                  <a:schemeClr val="tx1"/>
+                </a:solidFill>
+              </a:endParaRPr>
             </a:p>
           </p:txBody>
         </p:sp>
@@ -8328,14 +8274,11 @@
             <a:lstStyle/>
             <a:p>
               <a:pPr algn="ctr"/>
-              <a:r>
-                <a:rPr lang="en-US" dirty="0">
-                  <a:solidFill>
-                    <a:schemeClr val="tx1"/>
-                  </a:solidFill>
-                </a:rPr>
-                <a:t>1</a:t>
-              </a:r>
+              <a:endParaRPr lang="en-US" dirty="0">
+                <a:solidFill>
+                  <a:schemeClr val="tx1"/>
+                </a:solidFill>
+              </a:endParaRPr>
             </a:p>
           </p:txBody>
         </p:sp>
@@ -8382,14 +8325,11 @@
             <a:lstStyle/>
             <a:p>
               <a:pPr algn="ctr"/>
-              <a:r>
-                <a:rPr lang="en-US" dirty="0">
-                  <a:solidFill>
-                    <a:schemeClr val="tx1"/>
-                  </a:solidFill>
-                </a:rPr>
-                <a:t>8</a:t>
-              </a:r>
+              <a:endParaRPr lang="en-US" dirty="0">
+                <a:solidFill>
+                  <a:schemeClr val="tx1"/>
+                </a:solidFill>
+              </a:endParaRPr>
             </a:p>
           </p:txBody>
         </p:sp>
@@ -8436,14 +8376,11 @@
             <a:lstStyle/>
             <a:p>
               <a:pPr algn="ctr"/>
-              <a:r>
-                <a:rPr lang="en-US" dirty="0">
-                  <a:solidFill>
-                    <a:schemeClr val="tx1"/>
-                  </a:solidFill>
-                </a:rPr>
-                <a:t>4</a:t>
-              </a:r>
+              <a:endParaRPr lang="en-US" dirty="0">
+                <a:solidFill>
+                  <a:schemeClr val="tx1"/>
+                </a:solidFill>
+              </a:endParaRPr>
             </a:p>
           </p:txBody>
         </p:sp>
@@ -8490,14 +8427,11 @@
             <a:lstStyle/>
             <a:p>
               <a:pPr algn="ctr"/>
-              <a:r>
-                <a:rPr lang="en-US" dirty="0">
-                  <a:solidFill>
-                    <a:schemeClr val="tx1"/>
-                  </a:solidFill>
-                </a:rPr>
-                <a:t>0</a:t>
-              </a:r>
+              <a:endParaRPr lang="en-US" dirty="0">
+                <a:solidFill>
+                  <a:schemeClr val="tx1"/>
+                </a:solidFill>
+              </a:endParaRPr>
             </a:p>
           </p:txBody>
         </p:sp>
@@ -8579,10 +8513,7 @@
           <a:lstStyle/>
           <a:p>
             <a:pPr algn="ctr"/>
-            <a:r>
-              <a:rPr lang="en-US" dirty="0"/>
-              <a:t>1</a:t>
-            </a:r>
+            <a:endParaRPr lang="en-US" dirty="0"/>
           </a:p>
         </p:txBody>
       </p:sp>
@@ -8628,10 +8559,7 @@
           <a:lstStyle/>
           <a:p>
             <a:pPr algn="ctr"/>
-            <a:r>
-              <a:rPr lang="en-US" dirty="0"/>
-              <a:t>5</a:t>
-            </a:r>
+            <a:endParaRPr lang="en-US" dirty="0"/>
           </a:p>
         </p:txBody>
       </p:sp>
@@ -8677,10 +8605,7 @@
           <a:lstStyle/>
           <a:p>
             <a:pPr algn="ctr"/>
-            <a:r>
-              <a:rPr lang="en-US" dirty="0"/>
-              <a:t>2</a:t>
-            </a:r>
+            <a:endParaRPr lang="en-US" dirty="0"/>
           </a:p>
         </p:txBody>
       </p:sp>
@@ -8770,10 +8695,7 @@
           <a:lstStyle/>
           <a:p>
             <a:pPr algn="ctr"/>
-            <a:r>
-              <a:rPr lang="en-US" dirty="0"/>
-              <a:t>9</a:t>
-            </a:r>
+            <a:endParaRPr lang="en-US" dirty="0"/>
           </a:p>
         </p:txBody>
       </p:sp>
@@ -8898,14 +8820,11 @@
               <a:lstStyle/>
               <a:p>
                 <a:pPr algn="ctr"/>
-                <a:r>
-                  <a:rPr lang="en-US" dirty="0">
-                    <a:solidFill>
-                      <a:schemeClr val="bg1"/>
-                    </a:solidFill>
-                  </a:rPr>
-                  <a:t>3</a:t>
-                </a:r>
+                <a:endParaRPr lang="en-US" dirty="0">
+                  <a:solidFill>
+                    <a:schemeClr val="bg1"/>
+                  </a:solidFill>
+                </a:endParaRPr>
               </a:p>
             </p:txBody>
           </p:sp>
@@ -8952,14 +8871,11 @@
               <a:lstStyle/>
               <a:p>
                 <a:pPr algn="ctr"/>
-                <a:r>
-                  <a:rPr lang="en-US" dirty="0">
-                    <a:solidFill>
-                      <a:schemeClr val="bg1"/>
-                    </a:solidFill>
-                  </a:rPr>
-                  <a:t>9</a:t>
-                </a:r>
+                <a:endParaRPr lang="en-US" dirty="0">
+                  <a:solidFill>
+                    <a:schemeClr val="bg1"/>
+                  </a:solidFill>
+                </a:endParaRPr>
               </a:p>
             </p:txBody>
           </p:sp>
@@ -9006,14 +8922,11 @@
               <a:lstStyle/>
               <a:p>
                 <a:pPr algn="ctr"/>
-                <a:r>
-                  <a:rPr lang="en-US" dirty="0">
-                    <a:solidFill>
-                      <a:schemeClr val="bg1"/>
-                    </a:solidFill>
-                  </a:rPr>
-                  <a:t>1</a:t>
-                </a:r>
+                <a:endParaRPr lang="en-US" dirty="0">
+                  <a:solidFill>
+                    <a:schemeClr val="bg1"/>
+                  </a:solidFill>
+                </a:endParaRPr>
               </a:p>
             </p:txBody>
           </p:sp>
@@ -9060,14 +8973,11 @@
               <a:lstStyle/>
               <a:p>
                 <a:pPr algn="ctr"/>
-                <a:r>
-                  <a:rPr lang="en-US" dirty="0">
-                    <a:solidFill>
-                      <a:schemeClr val="bg1"/>
-                    </a:solidFill>
-                  </a:rPr>
-                  <a:t>2</a:t>
-                </a:r>
+                <a:endParaRPr lang="en-US" dirty="0">
+                  <a:solidFill>
+                    <a:schemeClr val="bg1"/>
+                  </a:solidFill>
+                </a:endParaRPr>
               </a:p>
             </p:txBody>
           </p:sp>
@@ -9114,14 +9024,11 @@
               <a:lstStyle/>
               <a:p>
                 <a:pPr algn="ctr"/>
-                <a:r>
-                  <a:rPr lang="en-US" dirty="0">
-                    <a:solidFill>
-                      <a:schemeClr val="bg1"/>
-                    </a:solidFill>
-                  </a:rPr>
-                  <a:t>1</a:t>
-                </a:r>
+                <a:endParaRPr lang="en-US" dirty="0">
+                  <a:solidFill>
+                    <a:schemeClr val="bg1"/>
+                  </a:solidFill>
+                </a:endParaRPr>
               </a:p>
             </p:txBody>
           </p:sp>
@@ -9168,14 +9075,11 @@
               <a:lstStyle/>
               <a:p>
                 <a:pPr algn="ctr"/>
-                <a:r>
-                  <a:rPr lang="en-US" dirty="0">
-                    <a:solidFill>
-                      <a:schemeClr val="bg1"/>
-                    </a:solidFill>
-                  </a:rPr>
-                  <a:t>3</a:t>
-                </a:r>
+                <a:endParaRPr lang="en-US" dirty="0">
+                  <a:solidFill>
+                    <a:schemeClr val="bg1"/>
+                  </a:solidFill>
+                </a:endParaRPr>
               </a:p>
             </p:txBody>
           </p:sp>
@@ -9222,14 +9126,11 @@
               <a:lstStyle/>
               <a:p>
                 <a:pPr algn="ctr"/>
-                <a:r>
-                  <a:rPr lang="en-US" dirty="0">
-                    <a:solidFill>
-                      <a:schemeClr val="bg1"/>
-                    </a:solidFill>
-                  </a:rPr>
-                  <a:t>7</a:t>
-                </a:r>
+                <a:endParaRPr lang="en-US" dirty="0">
+                  <a:solidFill>
+                    <a:schemeClr val="bg1"/>
+                  </a:solidFill>
+                </a:endParaRPr>
               </a:p>
             </p:txBody>
           </p:sp>
@@ -9276,14 +9177,11 @@
               <a:lstStyle/>
               <a:p>
                 <a:pPr algn="ctr"/>
-                <a:r>
-                  <a:rPr lang="en-US" dirty="0">
-                    <a:solidFill>
-                      <a:schemeClr val="bg1"/>
-                    </a:solidFill>
-                  </a:rPr>
-                  <a:t>6</a:t>
-                </a:r>
+                <a:endParaRPr lang="en-US" dirty="0">
+                  <a:solidFill>
+                    <a:schemeClr val="bg1"/>
+                  </a:solidFill>
+                </a:endParaRPr>
               </a:p>
             </p:txBody>
           </p:sp>
@@ -9330,14 +9228,11 @@
               <a:lstStyle/>
               <a:p>
                 <a:pPr algn="ctr"/>
-                <a:r>
-                  <a:rPr lang="en-US" dirty="0">
-                    <a:solidFill>
-                      <a:schemeClr val="bg1"/>
-                    </a:solidFill>
-                  </a:rPr>
-                  <a:t>5</a:t>
-                </a:r>
+                <a:endParaRPr lang="en-US" dirty="0">
+                  <a:solidFill>
+                    <a:schemeClr val="bg1"/>
+                  </a:solidFill>
+                </a:endParaRPr>
               </a:p>
             </p:txBody>
           </p:sp>
@@ -9400,9 +9295,9 @@
           </p:nvGrpSpPr>
           <p:grpSpPr>
             <a:xfrm>
-              <a:off x="5873687" y="1211743"/>
+              <a:off x="5930837" y="1154593"/>
               <a:ext cx="1453147" cy="1414507"/>
-              <a:chOff x="1232345" y="1216241"/>
+              <a:chOff x="1289495" y="1159091"/>
               <a:chExt cx="1453147" cy="1414507"/>
             </a:xfrm>
             <a:solidFill>
@@ -9425,7 +9320,7 @@
             </p:nvSpPr>
             <p:spPr>
               <a:xfrm>
-                <a:off x="2303752" y="2249009"/>
+                <a:off x="2360902" y="2191859"/>
                 <a:ext cx="381740" cy="381739"/>
               </a:xfrm>
               <a:prstGeom prst="roundRect">
@@ -9454,14 +9349,11 @@
               <a:lstStyle/>
               <a:p>
                 <a:pPr algn="ctr"/>
-                <a:r>
-                  <a:rPr lang="en-US" dirty="0">
-                    <a:solidFill>
-                      <a:schemeClr val="bg1"/>
-                    </a:solidFill>
-                  </a:rPr>
-                  <a:t>0</a:t>
-                </a:r>
+                <a:endParaRPr lang="en-US" dirty="0">
+                  <a:solidFill>
+                    <a:schemeClr val="bg1"/>
+                  </a:solidFill>
+                </a:endParaRPr>
               </a:p>
             </p:txBody>
           </p:sp>
@@ -9479,7 +9371,7 @@
             </p:nvSpPr>
             <p:spPr>
               <a:xfrm>
-                <a:off x="1232345" y="1216241"/>
+                <a:off x="1289495" y="1159091"/>
                 <a:ext cx="381740" cy="381739"/>
               </a:xfrm>
               <a:prstGeom prst="roundRect">
@@ -9508,14 +9400,11 @@
               <a:lstStyle/>
               <a:p>
                 <a:pPr algn="ctr"/>
-                <a:r>
-                  <a:rPr lang="en-US" dirty="0">
-                    <a:solidFill>
-                      <a:schemeClr val="bg1"/>
-                    </a:solidFill>
-                  </a:rPr>
-                  <a:t>1</a:t>
-                </a:r>
+                <a:endParaRPr lang="en-US" dirty="0">
+                  <a:solidFill>
+                    <a:schemeClr val="bg1"/>
+                  </a:solidFill>
+                </a:endParaRPr>
               </a:p>
             </p:txBody>
           </p:sp>
@@ -9533,7 +9422,7 @@
             </p:nvSpPr>
             <p:spPr>
               <a:xfrm>
-                <a:off x="1232345" y="1732625"/>
+                <a:off x="1289495" y="1675475"/>
                 <a:ext cx="381740" cy="381739"/>
               </a:xfrm>
               <a:prstGeom prst="roundRect">
@@ -9562,14 +9451,11 @@
               <a:lstStyle/>
               <a:p>
                 <a:pPr algn="ctr"/>
-                <a:r>
-                  <a:rPr lang="en-US" dirty="0">
-                    <a:solidFill>
-                      <a:schemeClr val="bg1"/>
-                    </a:solidFill>
-                  </a:rPr>
-                  <a:t>1</a:t>
-                </a:r>
+                <a:endParaRPr lang="en-US" dirty="0">
+                  <a:solidFill>
+                    <a:schemeClr val="bg1"/>
+                  </a:solidFill>
+                </a:endParaRPr>
               </a:p>
             </p:txBody>
           </p:sp>
@@ -9587,7 +9473,7 @@
             </p:nvSpPr>
             <p:spPr>
               <a:xfrm>
-                <a:off x="1232345" y="2249009"/>
+                <a:off x="1289495" y="2191859"/>
                 <a:ext cx="381740" cy="381739"/>
               </a:xfrm>
               <a:prstGeom prst="roundRect">
@@ -9616,14 +9502,11 @@
               <a:lstStyle/>
               <a:p>
                 <a:pPr algn="ctr"/>
-                <a:r>
-                  <a:rPr lang="en-US" dirty="0">
-                    <a:solidFill>
-                      <a:schemeClr val="bg1"/>
-                    </a:solidFill>
-                  </a:rPr>
-                  <a:t>2</a:t>
-                </a:r>
+                <a:endParaRPr lang="en-US" dirty="0">
+                  <a:solidFill>
+                    <a:schemeClr val="bg1"/>
+                  </a:solidFill>
+                </a:endParaRPr>
               </a:p>
             </p:txBody>
           </p:sp>
@@ -9641,7 +9524,7 @@
             </p:nvSpPr>
             <p:spPr>
               <a:xfrm>
-                <a:off x="1761392" y="1216241"/>
+                <a:off x="1818542" y="1159091"/>
                 <a:ext cx="381740" cy="381739"/>
               </a:xfrm>
               <a:prstGeom prst="roundRect">
@@ -9670,14 +9553,11 @@
               <a:lstStyle/>
               <a:p>
                 <a:pPr algn="ctr"/>
-                <a:r>
-                  <a:rPr lang="en-US" dirty="0">
-                    <a:solidFill>
-                      <a:schemeClr val="bg1"/>
-                    </a:solidFill>
-                  </a:rPr>
-                  <a:t>0</a:t>
-                </a:r>
+                <a:endParaRPr lang="en-US" dirty="0">
+                  <a:solidFill>
+                    <a:schemeClr val="bg1"/>
+                  </a:solidFill>
+                </a:endParaRPr>
               </a:p>
             </p:txBody>
           </p:sp>
@@ -9695,7 +9575,7 @@
             </p:nvSpPr>
             <p:spPr>
               <a:xfrm>
-                <a:off x="1761392" y="1732625"/>
+                <a:off x="1818542" y="1675475"/>
                 <a:ext cx="381740" cy="381739"/>
               </a:xfrm>
               <a:prstGeom prst="roundRect">
@@ -9724,14 +9604,11 @@
               <a:lstStyle/>
               <a:p>
                 <a:pPr algn="ctr"/>
-                <a:r>
-                  <a:rPr lang="en-US" dirty="0">
-                    <a:solidFill>
-                      <a:schemeClr val="bg1"/>
-                    </a:solidFill>
-                  </a:rPr>
-                  <a:t>4</a:t>
-                </a:r>
+                <a:endParaRPr lang="en-US" dirty="0">
+                  <a:solidFill>
+                    <a:schemeClr val="bg1"/>
+                  </a:solidFill>
+                </a:endParaRPr>
               </a:p>
             </p:txBody>
           </p:sp>
@@ -9749,7 +9626,7 @@
             </p:nvSpPr>
             <p:spPr>
               <a:xfrm>
-                <a:off x="1761392" y="2249009"/>
+                <a:off x="1818542" y="2191859"/>
                 <a:ext cx="381740" cy="381739"/>
               </a:xfrm>
               <a:prstGeom prst="roundRect">
@@ -9778,14 +9655,11 @@
               <a:lstStyle/>
               <a:p>
                 <a:pPr algn="ctr"/>
-                <a:r>
-                  <a:rPr lang="en-US" dirty="0">
-                    <a:solidFill>
-                      <a:schemeClr val="bg1"/>
-                    </a:solidFill>
-                  </a:rPr>
-                  <a:t>2</a:t>
-                </a:r>
+                <a:endParaRPr lang="en-US" dirty="0">
+                  <a:solidFill>
+                    <a:schemeClr val="bg1"/>
+                  </a:solidFill>
+                </a:endParaRPr>
               </a:p>
             </p:txBody>
           </p:sp>
@@ -9803,7 +9677,7 @@
             </p:nvSpPr>
             <p:spPr>
               <a:xfrm>
-                <a:off x="2303752" y="1216241"/>
+                <a:off x="2360902" y="1159091"/>
                 <a:ext cx="381740" cy="381739"/>
               </a:xfrm>
               <a:prstGeom prst="roundRect">
@@ -9832,14 +9706,11 @@
               <a:lstStyle/>
               <a:p>
                 <a:pPr algn="ctr"/>
-                <a:r>
-                  <a:rPr lang="en-US" dirty="0">
-                    <a:solidFill>
-                      <a:schemeClr val="bg1"/>
-                    </a:solidFill>
-                  </a:rPr>
-                  <a:t>8</a:t>
-                </a:r>
+                <a:endParaRPr lang="en-US" dirty="0">
+                  <a:solidFill>
+                    <a:schemeClr val="bg1"/>
+                  </a:solidFill>
+                </a:endParaRPr>
               </a:p>
             </p:txBody>
           </p:sp>
@@ -9857,7 +9728,7 @@
             </p:nvSpPr>
             <p:spPr>
               <a:xfrm>
-                <a:off x="2303752" y="1732625"/>
+                <a:off x="2360902" y="1675475"/>
                 <a:ext cx="381740" cy="381739"/>
               </a:xfrm>
               <a:prstGeom prst="roundRect">
@@ -9886,14 +9757,11 @@
               <a:lstStyle/>
               <a:p>
                 <a:pPr algn="ctr"/>
-                <a:r>
-                  <a:rPr lang="en-US" dirty="0">
-                    <a:solidFill>
-                      <a:schemeClr val="bg1"/>
-                    </a:solidFill>
-                  </a:rPr>
-                  <a:t>4</a:t>
-                </a:r>
+                <a:endParaRPr lang="en-US" dirty="0">
+                  <a:solidFill>
+                    <a:schemeClr val="bg1"/>
+                  </a:solidFill>
+                </a:endParaRPr>
               </a:p>
             </p:txBody>
           </p:sp>
@@ -10037,10 +9905,7 @@
             <a:lstStyle/>
             <a:p>
               <a:pPr algn="ctr"/>
-              <a:r>
-                <a:rPr lang="en-US" dirty="0"/>
-                <a:t>1</a:t>
-              </a:r>
+              <a:endParaRPr lang="en-US" dirty="0"/>
             </a:p>
           </p:txBody>
         </p:sp>
@@ -10089,10 +9954,7 @@
             <a:lstStyle/>
             <a:p>
               <a:pPr algn="ctr"/>
-              <a:r>
-                <a:rPr lang="en-US" dirty="0"/>
-                <a:t>5</a:t>
-              </a:r>
+              <a:endParaRPr lang="en-US" dirty="0"/>
             </a:p>
           </p:txBody>
         </p:sp>
@@ -10141,10 +10003,7 @@
             <a:lstStyle/>
             <a:p>
               <a:pPr algn="ctr"/>
-              <a:r>
-                <a:rPr lang="en-US" dirty="0"/>
-                <a:t>2</a:t>
-              </a:r>
+              <a:endParaRPr lang="en-US" dirty="0"/>
             </a:p>
           </p:txBody>
         </p:sp>
@@ -10314,14 +10173,11 @@
               <a:lstStyle/>
               <a:p>
                 <a:pPr algn="ctr"/>
-                <a:r>
-                  <a:rPr lang="en-US" dirty="0">
-                    <a:solidFill>
-                      <a:schemeClr val="tx1"/>
-                    </a:solidFill>
-                  </a:rPr>
-                  <a:t>3</a:t>
-                </a:r>
+                <a:endParaRPr lang="en-US" dirty="0">
+                  <a:solidFill>
+                    <a:schemeClr val="tx1"/>
+                  </a:solidFill>
+                </a:endParaRPr>
               </a:p>
             </p:txBody>
           </p:sp>
@@ -10368,14 +10224,11 @@
               <a:lstStyle/>
               <a:p>
                 <a:pPr algn="ctr"/>
-                <a:r>
-                  <a:rPr lang="en-US" dirty="0">
-                    <a:solidFill>
-                      <a:schemeClr val="tx1"/>
-                    </a:solidFill>
-                  </a:rPr>
-                  <a:t>9</a:t>
-                </a:r>
+                <a:endParaRPr lang="en-US" dirty="0">
+                  <a:solidFill>
+                    <a:schemeClr val="tx1"/>
+                  </a:solidFill>
+                </a:endParaRPr>
               </a:p>
             </p:txBody>
           </p:sp>
@@ -10422,14 +10275,11 @@
               <a:lstStyle/>
               <a:p>
                 <a:pPr algn="ctr"/>
-                <a:r>
-                  <a:rPr lang="en-US" dirty="0">
-                    <a:solidFill>
-                      <a:schemeClr val="tx1"/>
-                    </a:solidFill>
-                  </a:rPr>
-                  <a:t>1</a:t>
-                </a:r>
+                <a:endParaRPr lang="en-US" dirty="0">
+                  <a:solidFill>
+                    <a:schemeClr val="tx1"/>
+                  </a:solidFill>
+                </a:endParaRPr>
               </a:p>
             </p:txBody>
           </p:sp>
@@ -10476,14 +10326,11 @@
               <a:lstStyle/>
               <a:p>
                 <a:pPr algn="ctr"/>
-                <a:r>
-                  <a:rPr lang="en-US" dirty="0">
-                    <a:solidFill>
-                      <a:schemeClr val="tx1"/>
-                    </a:solidFill>
-                  </a:rPr>
-                  <a:t>2</a:t>
-                </a:r>
+                <a:endParaRPr lang="en-US" dirty="0">
+                  <a:solidFill>
+                    <a:schemeClr val="tx1"/>
+                  </a:solidFill>
+                </a:endParaRPr>
               </a:p>
             </p:txBody>
           </p:sp>
@@ -10530,14 +10377,11 @@
               <a:lstStyle/>
               <a:p>
                 <a:pPr algn="ctr"/>
-                <a:r>
-                  <a:rPr lang="en-US" dirty="0">
-                    <a:solidFill>
-                      <a:schemeClr val="tx1"/>
-                    </a:solidFill>
-                  </a:rPr>
-                  <a:t>1</a:t>
-                </a:r>
+                <a:endParaRPr lang="en-US" dirty="0">
+                  <a:solidFill>
+                    <a:schemeClr val="tx1"/>
+                  </a:solidFill>
+                </a:endParaRPr>
               </a:p>
             </p:txBody>
           </p:sp>
@@ -10584,14 +10428,11 @@
               <a:lstStyle/>
               <a:p>
                 <a:pPr algn="ctr"/>
-                <a:r>
-                  <a:rPr lang="en-US" dirty="0">
-                    <a:solidFill>
-                      <a:schemeClr val="tx1"/>
-                    </a:solidFill>
-                  </a:rPr>
-                  <a:t>3</a:t>
-                </a:r>
+                <a:endParaRPr lang="en-US" dirty="0">
+                  <a:solidFill>
+                    <a:schemeClr val="tx1"/>
+                  </a:solidFill>
+                </a:endParaRPr>
               </a:p>
             </p:txBody>
           </p:sp>
@@ -10638,14 +10479,11 @@
               <a:lstStyle/>
               <a:p>
                 <a:pPr algn="ctr"/>
-                <a:r>
-                  <a:rPr lang="en-US" dirty="0">
-                    <a:solidFill>
-                      <a:schemeClr val="tx1"/>
-                    </a:solidFill>
-                  </a:rPr>
-                  <a:t>7</a:t>
-                </a:r>
+                <a:endParaRPr lang="en-US" dirty="0">
+                  <a:solidFill>
+                    <a:schemeClr val="tx1"/>
+                  </a:solidFill>
+                </a:endParaRPr>
               </a:p>
             </p:txBody>
           </p:sp>
@@ -10692,14 +10530,11 @@
               <a:lstStyle/>
               <a:p>
                 <a:pPr algn="ctr"/>
-                <a:r>
-                  <a:rPr lang="en-US" dirty="0">
-                    <a:solidFill>
-                      <a:schemeClr val="tx1"/>
-                    </a:solidFill>
-                  </a:rPr>
-                  <a:t>6</a:t>
-                </a:r>
+                <a:endParaRPr lang="en-US" dirty="0">
+                  <a:solidFill>
+                    <a:schemeClr val="tx1"/>
+                  </a:solidFill>
+                </a:endParaRPr>
               </a:p>
             </p:txBody>
           </p:sp>
@@ -10746,14 +10581,11 @@
               <a:lstStyle/>
               <a:p>
                 <a:pPr algn="ctr"/>
-                <a:r>
-                  <a:rPr lang="en-US" dirty="0">
-                    <a:solidFill>
-                      <a:schemeClr val="tx1"/>
-                    </a:solidFill>
-                  </a:rPr>
-                  <a:t>5</a:t>
-                </a:r>
+                <a:endParaRPr lang="en-US" dirty="0">
+                  <a:solidFill>
+                    <a:schemeClr val="tx1"/>
+                  </a:solidFill>
+                </a:endParaRPr>
               </a:p>
             </p:txBody>
           </p:sp>
@@ -10870,6 +10702,2019 @@
               <a:lstStyle/>
               <a:p>
                 <a:pPr algn="ctr"/>
+                <a:endParaRPr lang="en-US" dirty="0">
+                  <a:solidFill>
+                    <a:schemeClr val="tx1"/>
+                  </a:solidFill>
+                </a:endParaRPr>
+              </a:p>
+            </p:txBody>
+          </p:sp>
+          <p:sp>
+            <p:nvSpPr>
+              <p:cNvPr id="127" name="Rectangle: Rounded Corners 126">
+                <a:extLst>
+                  <a:ext uri="{FF2B5EF4-FFF2-40B4-BE49-F238E27FC236}">
+                    <a16:creationId xmlns:a16="http://schemas.microsoft.com/office/drawing/2014/main" id="{1B6A2450-8BCA-464A-97A5-275DF0A3F8AF}"/>
+                  </a:ext>
+                </a:extLst>
+              </p:cNvPr>
+              <p:cNvSpPr/>
+              <p:nvPr/>
+            </p:nvSpPr>
+            <p:spPr>
+              <a:xfrm>
+                <a:off x="1232345" y="1216241"/>
+                <a:ext cx="381740" cy="381739"/>
+              </a:xfrm>
+              <a:prstGeom prst="roundRect">
+                <a:avLst/>
+              </a:prstGeom>
+              <a:grpFill/>
+            </p:spPr>
+            <p:style>
+              <a:lnRef idx="2">
+                <a:schemeClr val="accent2">
+                  <a:shade val="50000"/>
+                </a:schemeClr>
+              </a:lnRef>
+              <a:fillRef idx="1">
+                <a:schemeClr val="accent2"/>
+              </a:fillRef>
+              <a:effectRef idx="0">
+                <a:schemeClr val="accent2"/>
+              </a:effectRef>
+              <a:fontRef idx="minor">
+                <a:schemeClr val="lt1"/>
+              </a:fontRef>
+            </p:style>
+            <p:txBody>
+              <a:bodyPr rtlCol="0" anchor="ctr"/>
+              <a:lstStyle/>
+              <a:p>
+                <a:pPr algn="ctr"/>
+                <a:endParaRPr lang="en-US" dirty="0">
+                  <a:solidFill>
+                    <a:schemeClr val="tx1"/>
+                  </a:solidFill>
+                </a:endParaRPr>
+              </a:p>
+            </p:txBody>
+          </p:sp>
+          <p:sp>
+            <p:nvSpPr>
+              <p:cNvPr id="128" name="Rectangle: Rounded Corners 127">
+                <a:extLst>
+                  <a:ext uri="{FF2B5EF4-FFF2-40B4-BE49-F238E27FC236}">
+                    <a16:creationId xmlns:a16="http://schemas.microsoft.com/office/drawing/2014/main" id="{52DCF8B9-2D03-4CA8-A34B-71FAED7050C3}"/>
+                  </a:ext>
+                </a:extLst>
+              </p:cNvPr>
+              <p:cNvSpPr/>
+              <p:nvPr/>
+            </p:nvSpPr>
+            <p:spPr>
+              <a:xfrm>
+                <a:off x="1232345" y="1732625"/>
+                <a:ext cx="381740" cy="381739"/>
+              </a:xfrm>
+              <a:prstGeom prst="roundRect">
+                <a:avLst/>
+              </a:prstGeom>
+              <a:grpFill/>
+            </p:spPr>
+            <p:style>
+              <a:lnRef idx="2">
+                <a:schemeClr val="accent2">
+                  <a:shade val="50000"/>
+                </a:schemeClr>
+              </a:lnRef>
+              <a:fillRef idx="1">
+                <a:schemeClr val="accent2"/>
+              </a:fillRef>
+              <a:effectRef idx="0">
+                <a:schemeClr val="accent2"/>
+              </a:effectRef>
+              <a:fontRef idx="minor">
+                <a:schemeClr val="lt1"/>
+              </a:fontRef>
+            </p:style>
+            <p:txBody>
+              <a:bodyPr rtlCol="0" anchor="ctr"/>
+              <a:lstStyle/>
+              <a:p>
+                <a:pPr algn="ctr"/>
+                <a:endParaRPr lang="en-US" dirty="0">
+                  <a:solidFill>
+                    <a:schemeClr val="tx1"/>
+                  </a:solidFill>
+                </a:endParaRPr>
+              </a:p>
+            </p:txBody>
+          </p:sp>
+          <p:sp>
+            <p:nvSpPr>
+              <p:cNvPr id="129" name="Rectangle: Rounded Corners 128">
+                <a:extLst>
+                  <a:ext uri="{FF2B5EF4-FFF2-40B4-BE49-F238E27FC236}">
+                    <a16:creationId xmlns:a16="http://schemas.microsoft.com/office/drawing/2014/main" id="{4888726B-5953-4033-B28C-13F837D34799}"/>
+                  </a:ext>
+                </a:extLst>
+              </p:cNvPr>
+              <p:cNvSpPr/>
+              <p:nvPr/>
+            </p:nvSpPr>
+            <p:spPr>
+              <a:xfrm>
+                <a:off x="1232345" y="2249009"/>
+                <a:ext cx="381740" cy="381739"/>
+              </a:xfrm>
+              <a:prstGeom prst="roundRect">
+                <a:avLst/>
+              </a:prstGeom>
+              <a:grpFill/>
+            </p:spPr>
+            <p:style>
+              <a:lnRef idx="2">
+                <a:schemeClr val="accent2">
+                  <a:shade val="50000"/>
+                </a:schemeClr>
+              </a:lnRef>
+              <a:fillRef idx="1">
+                <a:schemeClr val="accent2"/>
+              </a:fillRef>
+              <a:effectRef idx="0">
+                <a:schemeClr val="accent2"/>
+              </a:effectRef>
+              <a:fontRef idx="minor">
+                <a:schemeClr val="lt1"/>
+              </a:fontRef>
+            </p:style>
+            <p:txBody>
+              <a:bodyPr rtlCol="0" anchor="ctr"/>
+              <a:lstStyle/>
+              <a:p>
+                <a:pPr algn="ctr"/>
+                <a:endParaRPr lang="en-US" dirty="0">
+                  <a:solidFill>
+                    <a:schemeClr val="tx1"/>
+                  </a:solidFill>
+                </a:endParaRPr>
+              </a:p>
+            </p:txBody>
+          </p:sp>
+          <p:sp>
+            <p:nvSpPr>
+              <p:cNvPr id="131" name="Rectangle: Rounded Corners 130">
+                <a:extLst>
+                  <a:ext uri="{FF2B5EF4-FFF2-40B4-BE49-F238E27FC236}">
+                    <a16:creationId xmlns:a16="http://schemas.microsoft.com/office/drawing/2014/main" id="{8C3781FC-D137-4568-A91C-A60926FE68E4}"/>
+                  </a:ext>
+                </a:extLst>
+              </p:cNvPr>
+              <p:cNvSpPr/>
+              <p:nvPr/>
+            </p:nvSpPr>
+            <p:spPr>
+              <a:xfrm>
+                <a:off x="1761392" y="1216241"/>
+                <a:ext cx="381740" cy="381739"/>
+              </a:xfrm>
+              <a:prstGeom prst="roundRect">
+                <a:avLst/>
+              </a:prstGeom>
+              <a:grpFill/>
+            </p:spPr>
+            <p:style>
+              <a:lnRef idx="2">
+                <a:schemeClr val="accent2">
+                  <a:shade val="50000"/>
+                </a:schemeClr>
+              </a:lnRef>
+              <a:fillRef idx="1">
+                <a:schemeClr val="accent2"/>
+              </a:fillRef>
+              <a:effectRef idx="0">
+                <a:schemeClr val="accent2"/>
+              </a:effectRef>
+              <a:fontRef idx="minor">
+                <a:schemeClr val="lt1"/>
+              </a:fontRef>
+            </p:style>
+            <p:txBody>
+              <a:bodyPr rtlCol="0" anchor="ctr"/>
+              <a:lstStyle/>
+              <a:p>
+                <a:pPr algn="ctr"/>
+                <a:endParaRPr lang="en-US" dirty="0">
+                  <a:solidFill>
+                    <a:schemeClr val="tx1"/>
+                  </a:solidFill>
+                </a:endParaRPr>
+              </a:p>
+            </p:txBody>
+          </p:sp>
+          <p:sp>
+            <p:nvSpPr>
+              <p:cNvPr id="132" name="Rectangle: Rounded Corners 131">
+                <a:extLst>
+                  <a:ext uri="{FF2B5EF4-FFF2-40B4-BE49-F238E27FC236}">
+                    <a16:creationId xmlns:a16="http://schemas.microsoft.com/office/drawing/2014/main" id="{24C07D68-2A50-4E6C-9EC5-C33CAF6EDF71}"/>
+                  </a:ext>
+                </a:extLst>
+              </p:cNvPr>
+              <p:cNvSpPr/>
+              <p:nvPr/>
+            </p:nvSpPr>
+            <p:spPr>
+              <a:xfrm>
+                <a:off x="1761392" y="1732625"/>
+                <a:ext cx="381740" cy="381739"/>
+              </a:xfrm>
+              <a:prstGeom prst="roundRect">
+                <a:avLst/>
+              </a:prstGeom>
+              <a:grpFill/>
+            </p:spPr>
+            <p:style>
+              <a:lnRef idx="2">
+                <a:schemeClr val="accent2">
+                  <a:shade val="50000"/>
+                </a:schemeClr>
+              </a:lnRef>
+              <a:fillRef idx="1">
+                <a:schemeClr val="accent2"/>
+              </a:fillRef>
+              <a:effectRef idx="0">
+                <a:schemeClr val="accent2"/>
+              </a:effectRef>
+              <a:fontRef idx="minor">
+                <a:schemeClr val="lt1"/>
+              </a:fontRef>
+            </p:style>
+            <p:txBody>
+              <a:bodyPr rtlCol="0" anchor="ctr"/>
+              <a:lstStyle/>
+              <a:p>
+                <a:pPr algn="ctr"/>
+                <a:endParaRPr lang="en-US" dirty="0">
+                  <a:solidFill>
+                    <a:schemeClr val="tx1"/>
+                  </a:solidFill>
+                </a:endParaRPr>
+              </a:p>
+            </p:txBody>
+          </p:sp>
+          <p:sp>
+            <p:nvSpPr>
+              <p:cNvPr id="133" name="Rectangle: Rounded Corners 132">
+                <a:extLst>
+                  <a:ext uri="{FF2B5EF4-FFF2-40B4-BE49-F238E27FC236}">
+                    <a16:creationId xmlns:a16="http://schemas.microsoft.com/office/drawing/2014/main" id="{7BB9596A-70A1-4F2A-8C1B-853793CFE11D}"/>
+                  </a:ext>
+                </a:extLst>
+              </p:cNvPr>
+              <p:cNvSpPr/>
+              <p:nvPr/>
+            </p:nvSpPr>
+            <p:spPr>
+              <a:xfrm>
+                <a:off x="1761392" y="2249009"/>
+                <a:ext cx="381740" cy="381739"/>
+              </a:xfrm>
+              <a:prstGeom prst="roundRect">
+                <a:avLst/>
+              </a:prstGeom>
+              <a:grpFill/>
+            </p:spPr>
+            <p:style>
+              <a:lnRef idx="2">
+                <a:schemeClr val="accent2">
+                  <a:shade val="50000"/>
+                </a:schemeClr>
+              </a:lnRef>
+              <a:fillRef idx="1">
+                <a:schemeClr val="accent2"/>
+              </a:fillRef>
+              <a:effectRef idx="0">
+                <a:schemeClr val="accent2"/>
+              </a:effectRef>
+              <a:fontRef idx="minor">
+                <a:schemeClr val="lt1"/>
+              </a:fontRef>
+            </p:style>
+            <p:txBody>
+              <a:bodyPr rtlCol="0" anchor="ctr"/>
+              <a:lstStyle/>
+              <a:p>
+                <a:pPr algn="ctr"/>
+                <a:endParaRPr lang="en-US" dirty="0">
+                  <a:solidFill>
+                    <a:schemeClr val="tx1"/>
+                  </a:solidFill>
+                </a:endParaRPr>
+              </a:p>
+            </p:txBody>
+          </p:sp>
+          <p:sp>
+            <p:nvSpPr>
+              <p:cNvPr id="135" name="Rectangle: Rounded Corners 134">
+                <a:extLst>
+                  <a:ext uri="{FF2B5EF4-FFF2-40B4-BE49-F238E27FC236}">
+                    <a16:creationId xmlns:a16="http://schemas.microsoft.com/office/drawing/2014/main" id="{D3B6FE82-1770-4B97-9529-619CF6204B22}"/>
+                  </a:ext>
+                </a:extLst>
+              </p:cNvPr>
+              <p:cNvSpPr/>
+              <p:nvPr/>
+            </p:nvSpPr>
+            <p:spPr>
+              <a:xfrm>
+                <a:off x="2303752" y="1216241"/>
+                <a:ext cx="381740" cy="381739"/>
+              </a:xfrm>
+              <a:prstGeom prst="roundRect">
+                <a:avLst/>
+              </a:prstGeom>
+              <a:grpFill/>
+            </p:spPr>
+            <p:style>
+              <a:lnRef idx="2">
+                <a:schemeClr val="accent2">
+                  <a:shade val="50000"/>
+                </a:schemeClr>
+              </a:lnRef>
+              <a:fillRef idx="1">
+                <a:schemeClr val="accent2"/>
+              </a:fillRef>
+              <a:effectRef idx="0">
+                <a:schemeClr val="accent2"/>
+              </a:effectRef>
+              <a:fontRef idx="minor">
+                <a:schemeClr val="lt1"/>
+              </a:fontRef>
+            </p:style>
+            <p:txBody>
+              <a:bodyPr rtlCol="0" anchor="ctr"/>
+              <a:lstStyle/>
+              <a:p>
+                <a:pPr algn="ctr"/>
+                <a:endParaRPr lang="en-US" dirty="0">
+                  <a:solidFill>
+                    <a:schemeClr val="tx1"/>
+                  </a:solidFill>
+                </a:endParaRPr>
+              </a:p>
+            </p:txBody>
+          </p:sp>
+          <p:sp>
+            <p:nvSpPr>
+              <p:cNvPr id="136" name="Rectangle: Rounded Corners 135">
+                <a:extLst>
+                  <a:ext uri="{FF2B5EF4-FFF2-40B4-BE49-F238E27FC236}">
+                    <a16:creationId xmlns:a16="http://schemas.microsoft.com/office/drawing/2014/main" id="{84DA66C6-9738-461B-92A7-0E95862D1B92}"/>
+                  </a:ext>
+                </a:extLst>
+              </p:cNvPr>
+              <p:cNvSpPr/>
+              <p:nvPr/>
+            </p:nvSpPr>
+            <p:spPr>
+              <a:xfrm>
+                <a:off x="2303752" y="1732625"/>
+                <a:ext cx="381740" cy="381739"/>
+              </a:xfrm>
+              <a:prstGeom prst="roundRect">
+                <a:avLst/>
+              </a:prstGeom>
+              <a:grpFill/>
+            </p:spPr>
+            <p:style>
+              <a:lnRef idx="2">
+                <a:schemeClr val="accent2">
+                  <a:shade val="50000"/>
+                </a:schemeClr>
+              </a:lnRef>
+              <a:fillRef idx="1">
+                <a:schemeClr val="accent2"/>
+              </a:fillRef>
+              <a:effectRef idx="0">
+                <a:schemeClr val="accent2"/>
+              </a:effectRef>
+              <a:fontRef idx="minor">
+                <a:schemeClr val="lt1"/>
+              </a:fontRef>
+            </p:style>
+            <p:txBody>
+              <a:bodyPr rtlCol="0" anchor="ctr"/>
+              <a:lstStyle/>
+              <a:p>
+                <a:pPr algn="ctr"/>
+                <a:endParaRPr lang="en-US" dirty="0">
+                  <a:solidFill>
+                    <a:schemeClr val="tx1"/>
+                  </a:solidFill>
+                </a:endParaRPr>
+              </a:p>
+            </p:txBody>
+          </p:sp>
+        </p:grpSp>
+      </p:grpSp>
+      <p:sp>
+        <p:nvSpPr>
+          <p:cNvPr id="3" name="Double Brace 2">
+            <a:extLst>
+              <a:ext uri="{FF2B5EF4-FFF2-40B4-BE49-F238E27FC236}">
+                <a16:creationId xmlns:a16="http://schemas.microsoft.com/office/drawing/2014/main" id="{5E379EEA-9882-41D1-87E4-717B4CEFE602}"/>
+              </a:ext>
+            </a:extLst>
+          </p:cNvPr>
+          <p:cNvSpPr/>
+          <p:nvPr/>
+        </p:nvSpPr>
+        <p:spPr>
+          <a:xfrm>
+            <a:off x="4216894" y="923278"/>
+            <a:ext cx="5752730" cy="2093593"/>
+          </a:xfrm>
+          <a:prstGeom prst="bracePair">
+            <a:avLst/>
+          </a:prstGeom>
+          <a:ln>
+            <a:solidFill>
+              <a:srgbClr val="FF3300"/>
+            </a:solidFill>
+          </a:ln>
+        </p:spPr>
+        <p:style>
+          <a:lnRef idx="1">
+            <a:schemeClr val="accent1"/>
+          </a:lnRef>
+          <a:fillRef idx="0">
+            <a:schemeClr val="accent1"/>
+          </a:fillRef>
+          <a:effectRef idx="0">
+            <a:schemeClr val="accent1"/>
+          </a:effectRef>
+          <a:fontRef idx="minor">
+            <a:schemeClr val="tx1"/>
+          </a:fontRef>
+        </p:style>
+        <p:txBody>
+          <a:bodyPr rtlCol="0" anchor="ctr"/>
+          <a:lstStyle/>
+          <a:p>
+            <a:pPr algn="ctr"/>
+            <a:endParaRPr lang="en-US"/>
+          </a:p>
+        </p:txBody>
+      </p:sp>
+      <p:sp>
+        <p:nvSpPr>
+          <p:cNvPr id="7" name="TextBox 6">
+            <a:extLst>
+              <a:ext uri="{FF2B5EF4-FFF2-40B4-BE49-F238E27FC236}">
+                <a16:creationId xmlns:a16="http://schemas.microsoft.com/office/drawing/2014/main" id="{DBA4BB20-9704-416A-883E-EB0CE974DEFB}"/>
+              </a:ext>
+            </a:extLst>
+          </p:cNvPr>
+          <p:cNvSpPr txBox="1"/>
+          <p:nvPr/>
+        </p:nvSpPr>
+        <p:spPr>
+          <a:xfrm>
+            <a:off x="4515268" y="1065987"/>
+            <a:ext cx="972830" cy="369332"/>
+          </a:xfrm>
+          <a:prstGeom prst="rect">
+            <a:avLst/>
+          </a:prstGeom>
+          <a:noFill/>
+        </p:spPr>
+        <p:txBody>
+          <a:bodyPr wrap="none" rtlCol="0">
+            <a:spAutoFit/>
+          </a:bodyPr>
+          <a:lstStyle/>
+          <a:p>
+            <a:r>
+              <a:rPr lang="en-US" dirty="0"/>
+              <a:t>“key Z”: </a:t>
+            </a:r>
+          </a:p>
+        </p:txBody>
+      </p:sp>
+      <p:sp>
+        <p:nvSpPr>
+          <p:cNvPr id="65" name="TextBox 64">
+            <a:extLst>
+              <a:ext uri="{FF2B5EF4-FFF2-40B4-BE49-F238E27FC236}">
+                <a16:creationId xmlns:a16="http://schemas.microsoft.com/office/drawing/2014/main" id="{93ACB758-1FAD-46EB-AC08-D2CFBB4FCDCB}"/>
+              </a:ext>
+            </a:extLst>
+          </p:cNvPr>
+          <p:cNvSpPr txBox="1"/>
+          <p:nvPr/>
+        </p:nvSpPr>
+        <p:spPr>
+          <a:xfrm>
+            <a:off x="6513144" y="1065987"/>
+            <a:ext cx="984500" cy="369332"/>
+          </a:xfrm>
+          <a:prstGeom prst="rect">
+            <a:avLst/>
+          </a:prstGeom>
+          <a:noFill/>
+        </p:spPr>
+        <p:txBody>
+          <a:bodyPr wrap="none" rtlCol="0">
+            <a:spAutoFit/>
+          </a:bodyPr>
+          <a:lstStyle/>
+          <a:p>
+            <a:r>
+              <a:rPr lang="en-US" dirty="0"/>
+              <a:t>“key A”: </a:t>
+            </a:r>
+          </a:p>
+        </p:txBody>
+      </p:sp>
+    </p:spTree>
+    <p:extLst>
+      <p:ext uri="{BB962C8B-B14F-4D97-AF65-F5344CB8AC3E}">
+        <p14:creationId xmlns:p14="http://schemas.microsoft.com/office/powerpoint/2010/main" val="2060124245"/>
+      </p:ext>
+    </p:extLst>
+  </p:cSld>
+  <p:clrMapOvr>
+    <a:masterClrMapping/>
+  </p:clrMapOvr>
+</p:sld>
+</file>
+
+<file path=ppt/slides/slide5.xml><?xml version="1.0" encoding="utf-8"?>
+<p:sld xmlns:a="http://schemas.openxmlformats.org/drawingml/2006/main" xmlns:r="http://schemas.openxmlformats.org/officeDocument/2006/relationships" xmlns:p="http://schemas.openxmlformats.org/presentationml/2006/main">
+  <p:cSld>
+    <p:spTree>
+      <p:nvGrpSpPr>
+        <p:cNvPr id="1" name=""/>
+        <p:cNvGrpSpPr/>
+        <p:nvPr/>
+      </p:nvGrpSpPr>
+      <p:grpSpPr>
+        <a:xfrm>
+          <a:off x="0" y="0"/>
+          <a:ext cx="0" cy="0"/>
+          <a:chOff x="0" y="0"/>
+          <a:chExt cx="0" cy="0"/>
+        </a:xfrm>
+      </p:grpSpPr>
+      <p:sp>
+        <p:nvSpPr>
+          <p:cNvPr id="4" name="Rectangle: Rounded Corners 3">
+            <a:extLst>
+              <a:ext uri="{FF2B5EF4-FFF2-40B4-BE49-F238E27FC236}">
+                <a16:creationId xmlns:a16="http://schemas.microsoft.com/office/drawing/2014/main" id="{DB1142D5-0A26-454F-AFED-7ED1511B5F30}"/>
+              </a:ext>
+            </a:extLst>
+          </p:cNvPr>
+          <p:cNvSpPr/>
+          <p:nvPr/>
+        </p:nvSpPr>
+        <p:spPr>
+          <a:xfrm>
+            <a:off x="479380" y="1242874"/>
+            <a:ext cx="381740" cy="381739"/>
+          </a:xfrm>
+          <a:prstGeom prst="roundRect">
+            <a:avLst/>
+          </a:prstGeom>
+        </p:spPr>
+        <p:style>
+          <a:lnRef idx="2">
+            <a:schemeClr val="accent1">
+              <a:shade val="50000"/>
+            </a:schemeClr>
+          </a:lnRef>
+          <a:fillRef idx="1">
+            <a:schemeClr val="accent1"/>
+          </a:fillRef>
+          <a:effectRef idx="0">
+            <a:schemeClr val="accent1"/>
+          </a:effectRef>
+          <a:fontRef idx="minor">
+            <a:schemeClr val="lt1"/>
+          </a:fontRef>
+        </p:style>
+        <p:txBody>
+          <a:bodyPr rtlCol="0" anchor="ctr"/>
+          <a:lstStyle/>
+          <a:p>
+            <a:pPr algn="ctr"/>
+            <a:r>
+              <a:rPr lang="en-US" dirty="0"/>
+              <a:t>2</a:t>
+            </a:r>
+          </a:p>
+        </p:txBody>
+      </p:sp>
+      <p:sp>
+        <p:nvSpPr>
+          <p:cNvPr id="5" name="Rectangle: Rounded Corners 4">
+            <a:extLst>
+              <a:ext uri="{FF2B5EF4-FFF2-40B4-BE49-F238E27FC236}">
+                <a16:creationId xmlns:a16="http://schemas.microsoft.com/office/drawing/2014/main" id="{CDF329CE-6766-456D-B474-726AD0800001}"/>
+              </a:ext>
+            </a:extLst>
+          </p:cNvPr>
+          <p:cNvSpPr/>
+          <p:nvPr/>
+        </p:nvSpPr>
+        <p:spPr>
+          <a:xfrm>
+            <a:off x="479380" y="1759258"/>
+            <a:ext cx="381740" cy="381739"/>
+          </a:xfrm>
+          <a:prstGeom prst="roundRect">
+            <a:avLst/>
+          </a:prstGeom>
+        </p:spPr>
+        <p:style>
+          <a:lnRef idx="2">
+            <a:schemeClr val="accent1">
+              <a:shade val="50000"/>
+            </a:schemeClr>
+          </a:lnRef>
+          <a:fillRef idx="1">
+            <a:schemeClr val="accent1"/>
+          </a:fillRef>
+          <a:effectRef idx="0">
+            <a:schemeClr val="accent1"/>
+          </a:effectRef>
+          <a:fontRef idx="minor">
+            <a:schemeClr val="lt1"/>
+          </a:fontRef>
+        </p:style>
+        <p:txBody>
+          <a:bodyPr rtlCol="0" anchor="ctr"/>
+          <a:lstStyle/>
+          <a:p>
+            <a:pPr algn="ctr"/>
+            <a:r>
+              <a:rPr lang="en-US" dirty="0"/>
+              <a:t>8</a:t>
+            </a:r>
+          </a:p>
+        </p:txBody>
+      </p:sp>
+      <p:sp>
+        <p:nvSpPr>
+          <p:cNvPr id="7" name="Double Bracket 6">
+            <a:extLst>
+              <a:ext uri="{FF2B5EF4-FFF2-40B4-BE49-F238E27FC236}">
+                <a16:creationId xmlns:a16="http://schemas.microsoft.com/office/drawing/2014/main" id="{E616025A-983D-420D-BE21-D5D58FAF7602}"/>
+              </a:ext>
+            </a:extLst>
+          </p:cNvPr>
+          <p:cNvSpPr/>
+          <p:nvPr/>
+        </p:nvSpPr>
+        <p:spPr>
+          <a:xfrm>
+            <a:off x="292945" y="1054961"/>
+            <a:ext cx="781236" cy="1315377"/>
+          </a:xfrm>
+          <a:prstGeom prst="bracketPair">
+            <a:avLst/>
+          </a:prstGeom>
+        </p:spPr>
+        <p:style>
+          <a:lnRef idx="1">
+            <a:schemeClr val="accent1"/>
+          </a:lnRef>
+          <a:fillRef idx="0">
+            <a:schemeClr val="accent1"/>
+          </a:fillRef>
+          <a:effectRef idx="0">
+            <a:schemeClr val="accent1"/>
+          </a:effectRef>
+          <a:fontRef idx="minor">
+            <a:schemeClr val="tx1"/>
+          </a:fontRef>
+        </p:style>
+        <p:txBody>
+          <a:bodyPr rtlCol="0" anchor="ctr"/>
+          <a:lstStyle/>
+          <a:p>
+            <a:pPr algn="ctr"/>
+            <a:endParaRPr lang="en-US"/>
+          </a:p>
+        </p:txBody>
+      </p:sp>
+      <p:sp>
+        <p:nvSpPr>
+          <p:cNvPr id="30" name="TextBox 29">
+            <a:extLst>
+              <a:ext uri="{FF2B5EF4-FFF2-40B4-BE49-F238E27FC236}">
+                <a16:creationId xmlns:a16="http://schemas.microsoft.com/office/drawing/2014/main" id="{F0C7448E-CC68-42AE-8AD2-666B611FF268}"/>
+              </a:ext>
+            </a:extLst>
+          </p:cNvPr>
+          <p:cNvSpPr txBox="1"/>
+          <p:nvPr/>
+        </p:nvSpPr>
+        <p:spPr>
+          <a:xfrm>
+            <a:off x="233470" y="222341"/>
+            <a:ext cx="941476" cy="738664"/>
+          </a:xfrm>
+          <a:prstGeom prst="rect">
+            <a:avLst/>
+          </a:prstGeom>
+          <a:noFill/>
+        </p:spPr>
+        <p:txBody>
+          <a:bodyPr wrap="none" rtlCol="0">
+            <a:spAutoFit/>
+          </a:bodyPr>
+          <a:lstStyle/>
+          <a:p>
+            <a:pPr algn="ctr"/>
+            <a:r>
+              <a:rPr lang="en-US" dirty="0" err="1"/>
+              <a:t>DataOp</a:t>
+            </a:r>
+            <a:endParaRPr lang="en-US" dirty="0"/>
+          </a:p>
+          <a:p>
+            <a:pPr algn="ctr"/>
+            <a:r>
+              <a:rPr lang="en-US" sz="1200" dirty="0" err="1"/>
+              <a:t>dtype</a:t>
+            </a:r>
+            <a:r>
+              <a:rPr lang="en-US" sz="1200" dirty="0"/>
+              <a:t>=int32</a:t>
+            </a:r>
+          </a:p>
+          <a:p>
+            <a:pPr algn="ctr"/>
+            <a:r>
+              <a:rPr lang="en-US" sz="1200" dirty="0"/>
+              <a:t>shape=(2,)</a:t>
+            </a:r>
+          </a:p>
+        </p:txBody>
+      </p:sp>
+      <p:sp>
+        <p:nvSpPr>
+          <p:cNvPr id="34" name="TextBox 33">
+            <a:extLst>
+              <a:ext uri="{FF2B5EF4-FFF2-40B4-BE49-F238E27FC236}">
+                <a16:creationId xmlns:a16="http://schemas.microsoft.com/office/drawing/2014/main" id="{0923CA3A-986E-41C8-96A1-61CE986E907B}"/>
+              </a:ext>
+            </a:extLst>
+          </p:cNvPr>
+          <p:cNvSpPr txBox="1"/>
+          <p:nvPr/>
+        </p:nvSpPr>
+        <p:spPr>
+          <a:xfrm>
+            <a:off x="1754294" y="222341"/>
+            <a:ext cx="1552413" cy="738664"/>
+          </a:xfrm>
+          <a:prstGeom prst="rect">
+            <a:avLst/>
+          </a:prstGeom>
+          <a:noFill/>
+        </p:spPr>
+        <p:txBody>
+          <a:bodyPr wrap="none" rtlCol="0">
+            <a:spAutoFit/>
+          </a:bodyPr>
+          <a:lstStyle/>
+          <a:p>
+            <a:pPr algn="ctr"/>
+            <a:r>
+              <a:rPr lang="en-US" dirty="0" err="1"/>
+              <a:t>DataOpTuple</a:t>
+            </a:r>
+            <a:endParaRPr lang="en-US" dirty="0"/>
+          </a:p>
+          <a:p>
+            <a:pPr algn="ctr"/>
+            <a:r>
+              <a:rPr lang="en-US" sz="1200" dirty="0" err="1"/>
+              <a:t>dtype</a:t>
+            </a:r>
+            <a:r>
+              <a:rPr lang="en-US" sz="1200" dirty="0"/>
+              <a:t>=(float32, int32)</a:t>
+            </a:r>
+          </a:p>
+          <a:p>
+            <a:pPr algn="ctr"/>
+            <a:r>
+              <a:rPr lang="en-US" sz="1200" dirty="0"/>
+              <a:t>shape=((2,), ())</a:t>
+            </a:r>
+          </a:p>
+        </p:txBody>
+      </p:sp>
+      <p:sp>
+        <p:nvSpPr>
+          <p:cNvPr id="36" name="Double Bracket 35">
+            <a:extLst>
+              <a:ext uri="{FF2B5EF4-FFF2-40B4-BE49-F238E27FC236}">
+                <a16:creationId xmlns:a16="http://schemas.microsoft.com/office/drawing/2014/main" id="{16C81DC0-6292-4DE9-B52D-87E76B73A393}"/>
+              </a:ext>
+            </a:extLst>
+          </p:cNvPr>
+          <p:cNvSpPr/>
+          <p:nvPr/>
+        </p:nvSpPr>
+        <p:spPr>
+          <a:xfrm>
+            <a:off x="1666875" y="1054961"/>
+            <a:ext cx="1800226" cy="1440589"/>
+          </a:xfrm>
+          <a:prstGeom prst="bracketPair">
+            <a:avLst/>
+          </a:prstGeom>
+          <a:ln>
+            <a:solidFill>
+              <a:srgbClr val="FF0000"/>
+            </a:solidFill>
+          </a:ln>
+        </p:spPr>
+        <p:style>
+          <a:lnRef idx="1">
+            <a:schemeClr val="accent1"/>
+          </a:lnRef>
+          <a:fillRef idx="0">
+            <a:schemeClr val="accent1"/>
+          </a:fillRef>
+          <a:effectRef idx="0">
+            <a:schemeClr val="accent1"/>
+          </a:effectRef>
+          <a:fontRef idx="minor">
+            <a:schemeClr val="tx1"/>
+          </a:fontRef>
+        </p:style>
+        <p:txBody>
+          <a:bodyPr rtlCol="0" anchor="ctr"/>
+          <a:lstStyle/>
+          <a:p>
+            <a:pPr algn="ctr"/>
+            <a:endParaRPr lang="en-US"/>
+          </a:p>
+        </p:txBody>
+      </p:sp>
+      <p:sp>
+        <p:nvSpPr>
+          <p:cNvPr id="71" name="Rectangle: Rounded Corners 70">
+            <a:extLst>
+              <a:ext uri="{FF2B5EF4-FFF2-40B4-BE49-F238E27FC236}">
+                <a16:creationId xmlns:a16="http://schemas.microsoft.com/office/drawing/2014/main" id="{8C15686A-DBF5-446F-821E-792896473EBE}"/>
+              </a:ext>
+            </a:extLst>
+          </p:cNvPr>
+          <p:cNvSpPr/>
+          <p:nvPr/>
+        </p:nvSpPr>
+        <p:spPr>
+          <a:xfrm>
+            <a:off x="2027174" y="1290458"/>
+            <a:ext cx="381740" cy="381739"/>
+          </a:xfrm>
+          <a:prstGeom prst="roundRect">
+            <a:avLst/>
+          </a:prstGeom>
+          <a:solidFill>
+            <a:srgbClr val="FFC000"/>
+          </a:solidFill>
+        </p:spPr>
+        <p:style>
+          <a:lnRef idx="2">
+            <a:schemeClr val="accent1">
+              <a:shade val="50000"/>
+            </a:schemeClr>
+          </a:lnRef>
+          <a:fillRef idx="1">
+            <a:schemeClr val="accent1"/>
+          </a:fillRef>
+          <a:effectRef idx="0">
+            <a:schemeClr val="accent1"/>
+          </a:effectRef>
+          <a:fontRef idx="minor">
+            <a:schemeClr val="lt1"/>
+          </a:fontRef>
+        </p:style>
+        <p:txBody>
+          <a:bodyPr wrap="none" rtlCol="0" anchor="ctr"/>
+          <a:lstStyle/>
+          <a:p>
+            <a:pPr algn="ctr"/>
+            <a:r>
+              <a:rPr lang="en-US" dirty="0">
+                <a:solidFill>
+                  <a:schemeClr val="tx1"/>
+                </a:solidFill>
+              </a:rPr>
+              <a:t>0.2</a:t>
+            </a:r>
+          </a:p>
+        </p:txBody>
+      </p:sp>
+      <p:sp>
+        <p:nvSpPr>
+          <p:cNvPr id="72" name="Rectangle: Rounded Corners 71">
+            <a:extLst>
+              <a:ext uri="{FF2B5EF4-FFF2-40B4-BE49-F238E27FC236}">
+                <a16:creationId xmlns:a16="http://schemas.microsoft.com/office/drawing/2014/main" id="{7F3B6D52-67E5-431D-9F46-B87CEC6FFFED}"/>
+              </a:ext>
+            </a:extLst>
+          </p:cNvPr>
+          <p:cNvSpPr/>
+          <p:nvPr/>
+        </p:nvSpPr>
+        <p:spPr>
+          <a:xfrm>
+            <a:off x="2027174" y="1806842"/>
+            <a:ext cx="381740" cy="381739"/>
+          </a:xfrm>
+          <a:prstGeom prst="roundRect">
+            <a:avLst/>
+          </a:prstGeom>
+          <a:solidFill>
+            <a:srgbClr val="FFC000"/>
+          </a:solidFill>
+        </p:spPr>
+        <p:style>
+          <a:lnRef idx="2">
+            <a:schemeClr val="accent1">
+              <a:shade val="50000"/>
+            </a:schemeClr>
+          </a:lnRef>
+          <a:fillRef idx="1">
+            <a:schemeClr val="accent1"/>
+          </a:fillRef>
+          <a:effectRef idx="0">
+            <a:schemeClr val="accent1"/>
+          </a:effectRef>
+          <a:fontRef idx="minor">
+            <a:schemeClr val="lt1"/>
+          </a:fontRef>
+        </p:style>
+        <p:txBody>
+          <a:bodyPr wrap="none" rtlCol="0" anchor="ctr"/>
+          <a:lstStyle/>
+          <a:p>
+            <a:pPr algn="ctr"/>
+            <a:r>
+              <a:rPr lang="en-US" dirty="0">
+                <a:solidFill>
+                  <a:schemeClr val="tx1"/>
+                </a:solidFill>
+              </a:rPr>
+              <a:t>0.5</a:t>
+            </a:r>
+          </a:p>
+        </p:txBody>
+      </p:sp>
+      <p:sp>
+        <p:nvSpPr>
+          <p:cNvPr id="74" name="Double Bracket 73">
+            <a:extLst>
+              <a:ext uri="{FF2B5EF4-FFF2-40B4-BE49-F238E27FC236}">
+                <a16:creationId xmlns:a16="http://schemas.microsoft.com/office/drawing/2014/main" id="{39B5F82F-F9B6-448E-8A03-2A87F87D6E88}"/>
+              </a:ext>
+            </a:extLst>
+          </p:cNvPr>
+          <p:cNvSpPr/>
+          <p:nvPr/>
+        </p:nvSpPr>
+        <p:spPr>
+          <a:xfrm>
+            <a:off x="1840739" y="1102545"/>
+            <a:ext cx="781236" cy="1267793"/>
+          </a:xfrm>
+          <a:prstGeom prst="bracketPair">
+            <a:avLst/>
+          </a:prstGeom>
+        </p:spPr>
+        <p:style>
+          <a:lnRef idx="1">
+            <a:schemeClr val="accent1"/>
+          </a:lnRef>
+          <a:fillRef idx="0">
+            <a:schemeClr val="accent1"/>
+          </a:fillRef>
+          <a:effectRef idx="0">
+            <a:schemeClr val="accent1"/>
+          </a:effectRef>
+          <a:fontRef idx="minor">
+            <a:schemeClr val="tx1"/>
+          </a:fontRef>
+        </p:style>
+        <p:txBody>
+          <a:bodyPr rtlCol="0" anchor="ctr"/>
+          <a:lstStyle/>
+          <a:p>
+            <a:pPr algn="ctr"/>
+            <a:endParaRPr lang="en-US"/>
+          </a:p>
+        </p:txBody>
+      </p:sp>
+      <p:sp>
+        <p:nvSpPr>
+          <p:cNvPr id="76" name="TextBox 75">
+            <a:extLst>
+              <a:ext uri="{FF2B5EF4-FFF2-40B4-BE49-F238E27FC236}">
+                <a16:creationId xmlns:a16="http://schemas.microsoft.com/office/drawing/2014/main" id="{6180DE1B-436A-47E7-9248-A845BF35A817}"/>
+              </a:ext>
+            </a:extLst>
+          </p:cNvPr>
+          <p:cNvSpPr txBox="1"/>
+          <p:nvPr/>
+        </p:nvSpPr>
+        <p:spPr>
+          <a:xfrm>
+            <a:off x="2624111" y="2041830"/>
+            <a:ext cx="264816" cy="461665"/>
+          </a:xfrm>
+          <a:prstGeom prst="rect">
+            <a:avLst/>
+          </a:prstGeom>
+          <a:noFill/>
+        </p:spPr>
+        <p:txBody>
+          <a:bodyPr wrap="none" rtlCol="0">
+            <a:spAutoFit/>
+          </a:bodyPr>
+          <a:lstStyle/>
+          <a:p>
+            <a:r>
+              <a:rPr lang="en-US" sz="2400" b="1" dirty="0"/>
+              <a:t>,</a:t>
+            </a:r>
+          </a:p>
+        </p:txBody>
+      </p:sp>
+      <p:sp>
+        <p:nvSpPr>
+          <p:cNvPr id="90" name="Rectangle: Rounded Corners 89">
+            <a:extLst>
+              <a:ext uri="{FF2B5EF4-FFF2-40B4-BE49-F238E27FC236}">
+                <a16:creationId xmlns:a16="http://schemas.microsoft.com/office/drawing/2014/main" id="{2551BA31-7276-4FBC-9804-53DFDF444DDE}"/>
+              </a:ext>
+            </a:extLst>
+          </p:cNvPr>
+          <p:cNvSpPr/>
+          <p:nvPr/>
+        </p:nvSpPr>
+        <p:spPr>
+          <a:xfrm>
+            <a:off x="2912366" y="1290458"/>
+            <a:ext cx="381740" cy="381739"/>
+          </a:xfrm>
+          <a:prstGeom prst="roundRect">
+            <a:avLst/>
+          </a:prstGeom>
+          <a:solidFill>
+            <a:srgbClr val="FF3300"/>
+          </a:solidFill>
+        </p:spPr>
+        <p:style>
+          <a:lnRef idx="2">
+            <a:schemeClr val="accent2">
+              <a:shade val="50000"/>
+            </a:schemeClr>
+          </a:lnRef>
+          <a:fillRef idx="1">
+            <a:schemeClr val="accent2"/>
+          </a:fillRef>
+          <a:effectRef idx="0">
+            <a:schemeClr val="accent2"/>
+          </a:effectRef>
+          <a:fontRef idx="minor">
+            <a:schemeClr val="lt1"/>
+          </a:fontRef>
+        </p:style>
+        <p:txBody>
+          <a:bodyPr rtlCol="0" anchor="ctr"/>
+          <a:lstStyle/>
+          <a:p>
+            <a:pPr algn="ctr"/>
+            <a:r>
+              <a:rPr lang="en-US" dirty="0">
+                <a:solidFill>
+                  <a:schemeClr val="bg1"/>
+                </a:solidFill>
+              </a:rPr>
+              <a:t>3</a:t>
+            </a:r>
+          </a:p>
+        </p:txBody>
+      </p:sp>
+      <p:grpSp>
+        <p:nvGrpSpPr>
+          <p:cNvPr id="99" name="Group 98">
+            <a:extLst>
+              <a:ext uri="{FF2B5EF4-FFF2-40B4-BE49-F238E27FC236}">
+                <a16:creationId xmlns:a16="http://schemas.microsoft.com/office/drawing/2014/main" id="{86388A44-1DF2-4CE4-92DF-A87FB915BB55}"/>
+              </a:ext>
+            </a:extLst>
+          </p:cNvPr>
+          <p:cNvGrpSpPr/>
+          <p:nvPr/>
+        </p:nvGrpSpPr>
+        <p:grpSpPr>
+          <a:xfrm>
+            <a:off x="4944178" y="1129532"/>
+            <a:ext cx="781236" cy="1803095"/>
+            <a:chOff x="4654960" y="970862"/>
+            <a:chExt cx="781236" cy="1803095"/>
+          </a:xfrm>
+        </p:grpSpPr>
+        <p:sp>
+          <p:nvSpPr>
+            <p:cNvPr id="100" name="Rectangle: Rounded Corners 99">
+              <a:extLst>
+                <a:ext uri="{FF2B5EF4-FFF2-40B4-BE49-F238E27FC236}">
+                  <a16:creationId xmlns:a16="http://schemas.microsoft.com/office/drawing/2014/main" id="{E37FFF23-C7D6-4231-8063-CDDB8A806D16}"/>
+                </a:ext>
+              </a:extLst>
+            </p:cNvPr>
+            <p:cNvSpPr/>
+            <p:nvPr/>
+          </p:nvSpPr>
+          <p:spPr>
+            <a:xfrm>
+              <a:off x="4841395" y="1158775"/>
+              <a:ext cx="381740" cy="381739"/>
+            </a:xfrm>
+            <a:prstGeom prst="roundRect">
+              <a:avLst/>
+            </a:prstGeom>
+            <a:solidFill>
+              <a:srgbClr val="0066FF"/>
+            </a:solidFill>
+          </p:spPr>
+          <p:style>
+            <a:lnRef idx="2">
+              <a:schemeClr val="accent1">
+                <a:shade val="50000"/>
+              </a:schemeClr>
+            </a:lnRef>
+            <a:fillRef idx="1">
+              <a:schemeClr val="accent1"/>
+            </a:fillRef>
+            <a:effectRef idx="0">
+              <a:schemeClr val="accent1"/>
+            </a:effectRef>
+            <a:fontRef idx="minor">
+              <a:schemeClr val="lt1"/>
+            </a:fontRef>
+          </p:style>
+          <p:txBody>
+            <a:bodyPr rtlCol="0" anchor="ctr"/>
+            <a:lstStyle/>
+            <a:p>
+              <a:pPr algn="ctr"/>
+              <a:r>
+                <a:rPr lang="en-US" dirty="0"/>
+                <a:t>1</a:t>
+              </a:r>
+            </a:p>
+          </p:txBody>
+        </p:sp>
+        <p:sp>
+          <p:nvSpPr>
+            <p:cNvPr id="101" name="Rectangle: Rounded Corners 100">
+              <a:extLst>
+                <a:ext uri="{FF2B5EF4-FFF2-40B4-BE49-F238E27FC236}">
+                  <a16:creationId xmlns:a16="http://schemas.microsoft.com/office/drawing/2014/main" id="{39E79671-5B28-4384-9B1F-498882C6244C}"/>
+                </a:ext>
+              </a:extLst>
+            </p:cNvPr>
+            <p:cNvSpPr/>
+            <p:nvPr/>
+          </p:nvSpPr>
+          <p:spPr>
+            <a:xfrm>
+              <a:off x="4841395" y="1675159"/>
+              <a:ext cx="381740" cy="381739"/>
+            </a:xfrm>
+            <a:prstGeom prst="roundRect">
+              <a:avLst/>
+            </a:prstGeom>
+            <a:solidFill>
+              <a:srgbClr val="0066FF"/>
+            </a:solidFill>
+          </p:spPr>
+          <p:style>
+            <a:lnRef idx="2">
+              <a:schemeClr val="accent1">
+                <a:shade val="50000"/>
+              </a:schemeClr>
+            </a:lnRef>
+            <a:fillRef idx="1">
+              <a:schemeClr val="accent1"/>
+            </a:fillRef>
+            <a:effectRef idx="0">
+              <a:schemeClr val="accent1"/>
+            </a:effectRef>
+            <a:fontRef idx="minor">
+              <a:schemeClr val="lt1"/>
+            </a:fontRef>
+          </p:style>
+          <p:txBody>
+            <a:bodyPr rtlCol="0" anchor="ctr"/>
+            <a:lstStyle/>
+            <a:p>
+              <a:pPr algn="ctr"/>
+              <a:r>
+                <a:rPr lang="en-US" dirty="0"/>
+                <a:t>5</a:t>
+              </a:r>
+            </a:p>
+          </p:txBody>
+        </p:sp>
+        <p:sp>
+          <p:nvSpPr>
+            <p:cNvPr id="102" name="Rectangle: Rounded Corners 101">
+              <a:extLst>
+                <a:ext uri="{FF2B5EF4-FFF2-40B4-BE49-F238E27FC236}">
+                  <a16:creationId xmlns:a16="http://schemas.microsoft.com/office/drawing/2014/main" id="{E5C15DCD-A58B-46C9-A6BC-1F112A7CD0E0}"/>
+                </a:ext>
+              </a:extLst>
+            </p:cNvPr>
+            <p:cNvSpPr/>
+            <p:nvPr/>
+          </p:nvSpPr>
+          <p:spPr>
+            <a:xfrm>
+              <a:off x="4841395" y="2191543"/>
+              <a:ext cx="381740" cy="381739"/>
+            </a:xfrm>
+            <a:prstGeom prst="roundRect">
+              <a:avLst/>
+            </a:prstGeom>
+            <a:solidFill>
+              <a:srgbClr val="0066FF"/>
+            </a:solidFill>
+          </p:spPr>
+          <p:style>
+            <a:lnRef idx="2">
+              <a:schemeClr val="accent1">
+                <a:shade val="50000"/>
+              </a:schemeClr>
+            </a:lnRef>
+            <a:fillRef idx="1">
+              <a:schemeClr val="accent1"/>
+            </a:fillRef>
+            <a:effectRef idx="0">
+              <a:schemeClr val="accent1"/>
+            </a:effectRef>
+            <a:fontRef idx="minor">
+              <a:schemeClr val="lt1"/>
+            </a:fontRef>
+          </p:style>
+          <p:txBody>
+            <a:bodyPr rtlCol="0" anchor="ctr"/>
+            <a:lstStyle/>
+            <a:p>
+              <a:pPr algn="ctr"/>
+              <a:r>
+                <a:rPr lang="en-US" dirty="0"/>
+                <a:t>2</a:t>
+              </a:r>
+            </a:p>
+          </p:txBody>
+        </p:sp>
+        <p:sp>
+          <p:nvSpPr>
+            <p:cNvPr id="103" name="Double Bracket 102">
+              <a:extLst>
+                <a:ext uri="{FF2B5EF4-FFF2-40B4-BE49-F238E27FC236}">
+                  <a16:creationId xmlns:a16="http://schemas.microsoft.com/office/drawing/2014/main" id="{76EB4767-6754-48AA-963D-3B5E804E6CAD}"/>
+                </a:ext>
+              </a:extLst>
+            </p:cNvPr>
+            <p:cNvSpPr/>
+            <p:nvPr/>
+          </p:nvSpPr>
+          <p:spPr>
+            <a:xfrm>
+              <a:off x="4654960" y="970862"/>
+              <a:ext cx="781236" cy="1803095"/>
+            </a:xfrm>
+            <a:prstGeom prst="bracketPair">
+              <a:avLst/>
+            </a:prstGeom>
+          </p:spPr>
+          <p:style>
+            <a:lnRef idx="1">
+              <a:schemeClr val="accent1"/>
+            </a:lnRef>
+            <a:fillRef idx="0">
+              <a:schemeClr val="accent1"/>
+            </a:fillRef>
+            <a:effectRef idx="0">
+              <a:schemeClr val="accent1"/>
+            </a:effectRef>
+            <a:fontRef idx="minor">
+              <a:schemeClr val="tx1"/>
+            </a:fontRef>
+          </p:style>
+          <p:txBody>
+            <a:bodyPr rtlCol="0" anchor="ctr"/>
+            <a:lstStyle/>
+            <a:p>
+              <a:pPr algn="ctr"/>
+              <a:endParaRPr lang="en-US"/>
+            </a:p>
+          </p:txBody>
+        </p:sp>
+      </p:grpSp>
+      <p:sp>
+        <p:nvSpPr>
+          <p:cNvPr id="104" name="TextBox 103">
+            <a:extLst>
+              <a:ext uri="{FF2B5EF4-FFF2-40B4-BE49-F238E27FC236}">
+                <a16:creationId xmlns:a16="http://schemas.microsoft.com/office/drawing/2014/main" id="{5AF345EF-FADF-43C4-884A-A43C9540E4CD}"/>
+              </a:ext>
+            </a:extLst>
+          </p:cNvPr>
+          <p:cNvSpPr txBox="1"/>
+          <p:nvPr/>
+        </p:nvSpPr>
+        <p:spPr>
+          <a:xfrm>
+            <a:off x="6063929" y="2676717"/>
+            <a:ext cx="264816" cy="461665"/>
+          </a:xfrm>
+          <a:prstGeom prst="rect">
+            <a:avLst/>
+          </a:prstGeom>
+          <a:noFill/>
+        </p:spPr>
+        <p:txBody>
+          <a:bodyPr wrap="none" rtlCol="0">
+            <a:spAutoFit/>
+          </a:bodyPr>
+          <a:lstStyle/>
+          <a:p>
+            <a:r>
+              <a:rPr lang="en-US" sz="2400" b="1" dirty="0"/>
+              <a:t>,</a:t>
+            </a:r>
+          </a:p>
+        </p:txBody>
+      </p:sp>
+      <p:grpSp>
+        <p:nvGrpSpPr>
+          <p:cNvPr id="105" name="Group 104">
+            <a:extLst>
+              <a:ext uri="{FF2B5EF4-FFF2-40B4-BE49-F238E27FC236}">
+                <a16:creationId xmlns:a16="http://schemas.microsoft.com/office/drawing/2014/main" id="{46D97572-F5FE-4F11-A9A0-B2E143A969B7}"/>
+              </a:ext>
+            </a:extLst>
+          </p:cNvPr>
+          <p:cNvGrpSpPr/>
+          <p:nvPr/>
+        </p:nvGrpSpPr>
+        <p:grpSpPr>
+          <a:xfrm>
+            <a:off x="6427421" y="1129532"/>
+            <a:ext cx="2077368" cy="1803095"/>
+            <a:chOff x="9019611" y="1145277"/>
+            <a:chExt cx="2077368" cy="1803095"/>
+          </a:xfrm>
+        </p:grpSpPr>
+        <p:grpSp>
+          <p:nvGrpSpPr>
+            <p:cNvPr id="106" name="Group 105">
+              <a:extLst>
+                <a:ext uri="{FF2B5EF4-FFF2-40B4-BE49-F238E27FC236}">
+                  <a16:creationId xmlns:a16="http://schemas.microsoft.com/office/drawing/2014/main" id="{C9B52A42-E502-4488-A600-5B2BDCD9F225}"/>
+                </a:ext>
+              </a:extLst>
+            </p:cNvPr>
+            <p:cNvGrpSpPr/>
+            <p:nvPr/>
+          </p:nvGrpSpPr>
+          <p:grpSpPr>
+            <a:xfrm>
+              <a:off x="9396184" y="1234373"/>
+              <a:ext cx="1453147" cy="1414507"/>
+              <a:chOff x="1369398" y="1117712"/>
+              <a:chExt cx="1453147" cy="1414507"/>
+            </a:xfrm>
+            <a:solidFill>
+              <a:srgbClr val="00FF99"/>
+            </a:solidFill>
+          </p:grpSpPr>
+          <p:sp>
+            <p:nvSpPr>
+              <p:cNvPr id="118" name="Rectangle: Rounded Corners 117">
+                <a:extLst>
+                  <a:ext uri="{FF2B5EF4-FFF2-40B4-BE49-F238E27FC236}">
+                    <a16:creationId xmlns:a16="http://schemas.microsoft.com/office/drawing/2014/main" id="{843EED69-B9DA-4B0D-92B6-5B6AF219B955}"/>
+                  </a:ext>
+                </a:extLst>
+              </p:cNvPr>
+              <p:cNvSpPr/>
+              <p:nvPr/>
+            </p:nvSpPr>
+            <p:spPr>
+              <a:xfrm>
+                <a:off x="1369398" y="1117712"/>
+                <a:ext cx="381740" cy="381739"/>
+              </a:xfrm>
+              <a:prstGeom prst="roundRect">
+                <a:avLst/>
+              </a:prstGeom>
+              <a:grpFill/>
+            </p:spPr>
+            <p:style>
+              <a:lnRef idx="2">
+                <a:schemeClr val="accent2">
+                  <a:shade val="50000"/>
+                </a:schemeClr>
+              </a:lnRef>
+              <a:fillRef idx="1">
+                <a:schemeClr val="accent2"/>
+              </a:fillRef>
+              <a:effectRef idx="0">
+                <a:schemeClr val="accent2"/>
+              </a:effectRef>
+              <a:fontRef idx="minor">
+                <a:schemeClr val="lt1"/>
+              </a:fontRef>
+            </p:style>
+            <p:txBody>
+              <a:bodyPr rtlCol="0" anchor="ctr"/>
+              <a:lstStyle/>
+              <a:p>
+                <a:pPr algn="ctr"/>
+                <a:r>
+                  <a:rPr lang="en-US" dirty="0">
+                    <a:solidFill>
+                      <a:schemeClr val="tx1"/>
+                    </a:solidFill>
+                  </a:rPr>
+                  <a:t>3</a:t>
+                </a:r>
+              </a:p>
+            </p:txBody>
+          </p:sp>
+          <p:sp>
+            <p:nvSpPr>
+              <p:cNvPr id="119" name="Rectangle: Rounded Corners 118">
+                <a:extLst>
+                  <a:ext uri="{FF2B5EF4-FFF2-40B4-BE49-F238E27FC236}">
+                    <a16:creationId xmlns:a16="http://schemas.microsoft.com/office/drawing/2014/main" id="{F9503BC8-FACF-4E61-B475-F9FFFA509C83}"/>
+                  </a:ext>
+                </a:extLst>
+              </p:cNvPr>
+              <p:cNvSpPr/>
+              <p:nvPr/>
+            </p:nvSpPr>
+            <p:spPr>
+              <a:xfrm>
+                <a:off x="1369398" y="1634096"/>
+                <a:ext cx="381740" cy="381739"/>
+              </a:xfrm>
+              <a:prstGeom prst="roundRect">
+                <a:avLst/>
+              </a:prstGeom>
+              <a:grpFill/>
+            </p:spPr>
+            <p:style>
+              <a:lnRef idx="2">
+                <a:schemeClr val="accent2">
+                  <a:shade val="50000"/>
+                </a:schemeClr>
+              </a:lnRef>
+              <a:fillRef idx="1">
+                <a:schemeClr val="accent2"/>
+              </a:fillRef>
+              <a:effectRef idx="0">
+                <a:schemeClr val="accent2"/>
+              </a:effectRef>
+              <a:fontRef idx="minor">
+                <a:schemeClr val="lt1"/>
+              </a:fontRef>
+            </p:style>
+            <p:txBody>
+              <a:bodyPr rtlCol="0" anchor="ctr"/>
+              <a:lstStyle/>
+              <a:p>
+                <a:pPr algn="ctr"/>
+                <a:r>
+                  <a:rPr lang="en-US" dirty="0">
+                    <a:solidFill>
+                      <a:schemeClr val="tx1"/>
+                    </a:solidFill>
+                  </a:rPr>
+                  <a:t>9</a:t>
+                </a:r>
+              </a:p>
+            </p:txBody>
+          </p:sp>
+          <p:sp>
+            <p:nvSpPr>
+              <p:cNvPr id="120" name="Rectangle: Rounded Corners 119">
+                <a:extLst>
+                  <a:ext uri="{FF2B5EF4-FFF2-40B4-BE49-F238E27FC236}">
+                    <a16:creationId xmlns:a16="http://schemas.microsoft.com/office/drawing/2014/main" id="{7804AC56-04DA-4BA4-9BBB-F01A0A3DF448}"/>
+                  </a:ext>
+                </a:extLst>
+              </p:cNvPr>
+              <p:cNvSpPr/>
+              <p:nvPr/>
+            </p:nvSpPr>
+            <p:spPr>
+              <a:xfrm>
+                <a:off x="1369398" y="2150480"/>
+                <a:ext cx="381740" cy="381739"/>
+              </a:xfrm>
+              <a:prstGeom prst="roundRect">
+                <a:avLst/>
+              </a:prstGeom>
+              <a:grpFill/>
+            </p:spPr>
+            <p:style>
+              <a:lnRef idx="2">
+                <a:schemeClr val="accent2">
+                  <a:shade val="50000"/>
+                </a:schemeClr>
+              </a:lnRef>
+              <a:fillRef idx="1">
+                <a:schemeClr val="accent2"/>
+              </a:fillRef>
+              <a:effectRef idx="0">
+                <a:schemeClr val="accent2"/>
+              </a:effectRef>
+              <a:fontRef idx="minor">
+                <a:schemeClr val="lt1"/>
+              </a:fontRef>
+            </p:style>
+            <p:txBody>
+              <a:bodyPr rtlCol="0" anchor="ctr"/>
+              <a:lstStyle/>
+              <a:p>
+                <a:pPr algn="ctr"/>
+                <a:r>
+                  <a:rPr lang="en-US" dirty="0">
+                    <a:solidFill>
+                      <a:schemeClr val="tx1"/>
+                    </a:solidFill>
+                  </a:rPr>
+                  <a:t>1</a:t>
+                </a:r>
+              </a:p>
+            </p:txBody>
+          </p:sp>
+          <p:sp>
+            <p:nvSpPr>
+              <p:cNvPr id="121" name="Rectangle: Rounded Corners 120">
+                <a:extLst>
+                  <a:ext uri="{FF2B5EF4-FFF2-40B4-BE49-F238E27FC236}">
+                    <a16:creationId xmlns:a16="http://schemas.microsoft.com/office/drawing/2014/main" id="{CECFF34C-E6CA-4BD5-A52B-C2FE9831294A}"/>
+                  </a:ext>
+                </a:extLst>
+              </p:cNvPr>
+              <p:cNvSpPr/>
+              <p:nvPr/>
+            </p:nvSpPr>
+            <p:spPr>
+              <a:xfrm>
+                <a:off x="1898445" y="1117712"/>
+                <a:ext cx="381740" cy="381739"/>
+              </a:xfrm>
+              <a:prstGeom prst="roundRect">
+                <a:avLst/>
+              </a:prstGeom>
+              <a:grpFill/>
+            </p:spPr>
+            <p:style>
+              <a:lnRef idx="2">
+                <a:schemeClr val="accent2">
+                  <a:shade val="50000"/>
+                </a:schemeClr>
+              </a:lnRef>
+              <a:fillRef idx="1">
+                <a:schemeClr val="accent2"/>
+              </a:fillRef>
+              <a:effectRef idx="0">
+                <a:schemeClr val="accent2"/>
+              </a:effectRef>
+              <a:fontRef idx="minor">
+                <a:schemeClr val="lt1"/>
+              </a:fontRef>
+            </p:style>
+            <p:txBody>
+              <a:bodyPr rtlCol="0" anchor="ctr"/>
+              <a:lstStyle/>
+              <a:p>
+                <a:pPr algn="ctr"/>
+                <a:r>
+                  <a:rPr lang="en-US" dirty="0">
+                    <a:solidFill>
+                      <a:schemeClr val="tx1"/>
+                    </a:solidFill>
+                  </a:rPr>
+                  <a:t>2</a:t>
+                </a:r>
+              </a:p>
+            </p:txBody>
+          </p:sp>
+          <p:sp>
+            <p:nvSpPr>
+              <p:cNvPr id="122" name="Rectangle: Rounded Corners 121">
+                <a:extLst>
+                  <a:ext uri="{FF2B5EF4-FFF2-40B4-BE49-F238E27FC236}">
+                    <a16:creationId xmlns:a16="http://schemas.microsoft.com/office/drawing/2014/main" id="{2D239821-A874-4F37-B207-6EAA23C513E4}"/>
+                  </a:ext>
+                </a:extLst>
+              </p:cNvPr>
+              <p:cNvSpPr/>
+              <p:nvPr/>
+            </p:nvSpPr>
+            <p:spPr>
+              <a:xfrm>
+                <a:off x="1898445" y="1634096"/>
+                <a:ext cx="381740" cy="381739"/>
+              </a:xfrm>
+              <a:prstGeom prst="roundRect">
+                <a:avLst/>
+              </a:prstGeom>
+              <a:grpFill/>
+            </p:spPr>
+            <p:style>
+              <a:lnRef idx="2">
+                <a:schemeClr val="accent2">
+                  <a:shade val="50000"/>
+                </a:schemeClr>
+              </a:lnRef>
+              <a:fillRef idx="1">
+                <a:schemeClr val="accent2"/>
+              </a:fillRef>
+              <a:effectRef idx="0">
+                <a:schemeClr val="accent2"/>
+              </a:effectRef>
+              <a:fontRef idx="minor">
+                <a:schemeClr val="lt1"/>
+              </a:fontRef>
+            </p:style>
+            <p:txBody>
+              <a:bodyPr rtlCol="0" anchor="ctr"/>
+              <a:lstStyle/>
+              <a:p>
+                <a:pPr algn="ctr"/>
+                <a:r>
+                  <a:rPr lang="en-US" dirty="0">
+                    <a:solidFill>
+                      <a:schemeClr val="tx1"/>
+                    </a:solidFill>
+                  </a:rPr>
+                  <a:t>1</a:t>
+                </a:r>
+              </a:p>
+            </p:txBody>
+          </p:sp>
+          <p:sp>
+            <p:nvSpPr>
+              <p:cNvPr id="123" name="Rectangle: Rounded Corners 122">
+                <a:extLst>
+                  <a:ext uri="{FF2B5EF4-FFF2-40B4-BE49-F238E27FC236}">
+                    <a16:creationId xmlns:a16="http://schemas.microsoft.com/office/drawing/2014/main" id="{F73420DE-192B-4FFB-9F73-6F00C6D562A0}"/>
+                  </a:ext>
+                </a:extLst>
+              </p:cNvPr>
+              <p:cNvSpPr/>
+              <p:nvPr/>
+            </p:nvSpPr>
+            <p:spPr>
+              <a:xfrm>
+                <a:off x="1898445" y="2150480"/>
+                <a:ext cx="381740" cy="381739"/>
+              </a:xfrm>
+              <a:prstGeom prst="roundRect">
+                <a:avLst/>
+              </a:prstGeom>
+              <a:grpFill/>
+            </p:spPr>
+            <p:style>
+              <a:lnRef idx="2">
+                <a:schemeClr val="accent2">
+                  <a:shade val="50000"/>
+                </a:schemeClr>
+              </a:lnRef>
+              <a:fillRef idx="1">
+                <a:schemeClr val="accent2"/>
+              </a:fillRef>
+              <a:effectRef idx="0">
+                <a:schemeClr val="accent2"/>
+              </a:effectRef>
+              <a:fontRef idx="minor">
+                <a:schemeClr val="lt1"/>
+              </a:fontRef>
+            </p:style>
+            <p:txBody>
+              <a:bodyPr rtlCol="0" anchor="ctr"/>
+              <a:lstStyle/>
+              <a:p>
+                <a:pPr algn="ctr"/>
+                <a:r>
+                  <a:rPr lang="en-US" dirty="0">
+                    <a:solidFill>
+                      <a:schemeClr val="tx1"/>
+                    </a:solidFill>
+                  </a:rPr>
+                  <a:t>3</a:t>
+                </a:r>
+              </a:p>
+            </p:txBody>
+          </p:sp>
+          <p:sp>
+            <p:nvSpPr>
+              <p:cNvPr id="124" name="Rectangle: Rounded Corners 123">
+                <a:extLst>
+                  <a:ext uri="{FF2B5EF4-FFF2-40B4-BE49-F238E27FC236}">
+                    <a16:creationId xmlns:a16="http://schemas.microsoft.com/office/drawing/2014/main" id="{39141773-48AE-4EC3-95C7-32FE21368874}"/>
+                  </a:ext>
+                </a:extLst>
+              </p:cNvPr>
+              <p:cNvSpPr/>
+              <p:nvPr/>
+            </p:nvSpPr>
+            <p:spPr>
+              <a:xfrm>
+                <a:off x="2440805" y="1117712"/>
+                <a:ext cx="381740" cy="381739"/>
+              </a:xfrm>
+              <a:prstGeom prst="roundRect">
+                <a:avLst/>
+              </a:prstGeom>
+              <a:grpFill/>
+            </p:spPr>
+            <p:style>
+              <a:lnRef idx="2">
+                <a:schemeClr val="accent2">
+                  <a:shade val="50000"/>
+                </a:schemeClr>
+              </a:lnRef>
+              <a:fillRef idx="1">
+                <a:schemeClr val="accent2"/>
+              </a:fillRef>
+              <a:effectRef idx="0">
+                <a:schemeClr val="accent2"/>
+              </a:effectRef>
+              <a:fontRef idx="minor">
+                <a:schemeClr val="lt1"/>
+              </a:fontRef>
+            </p:style>
+            <p:txBody>
+              <a:bodyPr rtlCol="0" anchor="ctr"/>
+              <a:lstStyle/>
+              <a:p>
+                <a:pPr algn="ctr"/>
+                <a:r>
+                  <a:rPr lang="en-US" dirty="0">
+                    <a:solidFill>
+                      <a:schemeClr val="tx1"/>
+                    </a:solidFill>
+                  </a:rPr>
+                  <a:t>7</a:t>
+                </a:r>
+              </a:p>
+            </p:txBody>
+          </p:sp>
+          <p:sp>
+            <p:nvSpPr>
+              <p:cNvPr id="125" name="Rectangle: Rounded Corners 124">
+                <a:extLst>
+                  <a:ext uri="{FF2B5EF4-FFF2-40B4-BE49-F238E27FC236}">
+                    <a16:creationId xmlns:a16="http://schemas.microsoft.com/office/drawing/2014/main" id="{5844FB7D-739F-4AFB-96E8-94BEE220EDEF}"/>
+                  </a:ext>
+                </a:extLst>
+              </p:cNvPr>
+              <p:cNvSpPr/>
+              <p:nvPr/>
+            </p:nvSpPr>
+            <p:spPr>
+              <a:xfrm>
+                <a:off x="2440805" y="1634096"/>
+                <a:ext cx="381740" cy="381739"/>
+              </a:xfrm>
+              <a:prstGeom prst="roundRect">
+                <a:avLst/>
+              </a:prstGeom>
+              <a:grpFill/>
+            </p:spPr>
+            <p:style>
+              <a:lnRef idx="2">
+                <a:schemeClr val="accent2">
+                  <a:shade val="50000"/>
+                </a:schemeClr>
+              </a:lnRef>
+              <a:fillRef idx="1">
+                <a:schemeClr val="accent2"/>
+              </a:fillRef>
+              <a:effectRef idx="0">
+                <a:schemeClr val="accent2"/>
+              </a:effectRef>
+              <a:fontRef idx="minor">
+                <a:schemeClr val="lt1"/>
+              </a:fontRef>
+            </p:style>
+            <p:txBody>
+              <a:bodyPr rtlCol="0" anchor="ctr"/>
+              <a:lstStyle/>
+              <a:p>
+                <a:pPr algn="ctr"/>
+                <a:r>
+                  <a:rPr lang="en-US" dirty="0">
+                    <a:solidFill>
+                      <a:schemeClr val="tx1"/>
+                    </a:solidFill>
+                  </a:rPr>
+                  <a:t>6</a:t>
+                </a:r>
+              </a:p>
+            </p:txBody>
+          </p:sp>
+          <p:sp>
+            <p:nvSpPr>
+              <p:cNvPr id="126" name="Rectangle: Rounded Corners 125">
+                <a:extLst>
+                  <a:ext uri="{FF2B5EF4-FFF2-40B4-BE49-F238E27FC236}">
+                    <a16:creationId xmlns:a16="http://schemas.microsoft.com/office/drawing/2014/main" id="{7437F9B7-1F7F-4706-9575-D2DA5BE64C44}"/>
+                  </a:ext>
+                </a:extLst>
+              </p:cNvPr>
+              <p:cNvSpPr/>
+              <p:nvPr/>
+            </p:nvSpPr>
+            <p:spPr>
+              <a:xfrm>
+                <a:off x="2440805" y="2150480"/>
+                <a:ext cx="381740" cy="381739"/>
+              </a:xfrm>
+              <a:prstGeom prst="roundRect">
+                <a:avLst/>
+              </a:prstGeom>
+              <a:grpFill/>
+            </p:spPr>
+            <p:style>
+              <a:lnRef idx="2">
+                <a:schemeClr val="accent2">
+                  <a:shade val="50000"/>
+                </a:schemeClr>
+              </a:lnRef>
+              <a:fillRef idx="1">
+                <a:schemeClr val="accent2"/>
+              </a:fillRef>
+              <a:effectRef idx="0">
+                <a:schemeClr val="accent2"/>
+              </a:effectRef>
+              <a:fontRef idx="minor">
+                <a:schemeClr val="lt1"/>
+              </a:fontRef>
+            </p:style>
+            <p:txBody>
+              <a:bodyPr rtlCol="0" anchor="ctr"/>
+              <a:lstStyle/>
+              <a:p>
+                <a:pPr algn="ctr"/>
+                <a:r>
+                  <a:rPr lang="en-US" dirty="0">
+                    <a:solidFill>
+                      <a:schemeClr val="tx1"/>
+                    </a:solidFill>
+                  </a:rPr>
+                  <a:t>5</a:t>
+                </a:r>
+              </a:p>
+            </p:txBody>
+          </p:sp>
+        </p:grpSp>
+        <p:sp>
+          <p:nvSpPr>
+            <p:cNvPr id="107" name="Double Bracket 106">
+              <a:extLst>
+                <a:ext uri="{FF2B5EF4-FFF2-40B4-BE49-F238E27FC236}">
+                  <a16:creationId xmlns:a16="http://schemas.microsoft.com/office/drawing/2014/main" id="{2777553C-DAD0-41A2-92ED-13AA064AA378}"/>
+                </a:ext>
+              </a:extLst>
+            </p:cNvPr>
+            <p:cNvSpPr/>
+            <p:nvPr/>
+          </p:nvSpPr>
+          <p:spPr>
+            <a:xfrm>
+              <a:off x="9019611" y="1145277"/>
+              <a:ext cx="2077368" cy="1803095"/>
+            </a:xfrm>
+            <a:prstGeom prst="bracketPair">
+              <a:avLst/>
+            </a:prstGeom>
+          </p:spPr>
+          <p:style>
+            <a:lnRef idx="1">
+              <a:schemeClr val="accent1"/>
+            </a:lnRef>
+            <a:fillRef idx="0">
+              <a:schemeClr val="accent1"/>
+            </a:fillRef>
+            <a:effectRef idx="0">
+              <a:schemeClr val="accent1"/>
+            </a:effectRef>
+            <a:fontRef idx="minor">
+              <a:schemeClr val="tx1"/>
+            </a:fontRef>
+          </p:style>
+          <p:txBody>
+            <a:bodyPr rtlCol="0" anchor="ctr"/>
+            <a:lstStyle/>
+            <a:p>
+              <a:pPr algn="ctr"/>
+              <a:endParaRPr lang="en-US"/>
+            </a:p>
+          </p:txBody>
+        </p:sp>
+        <p:grpSp>
+          <p:nvGrpSpPr>
+            <p:cNvPr id="108" name="Group 107">
+              <a:extLst>
+                <a:ext uri="{FF2B5EF4-FFF2-40B4-BE49-F238E27FC236}">
+                  <a16:creationId xmlns:a16="http://schemas.microsoft.com/office/drawing/2014/main" id="{A60EFFA5-A145-4705-B6CD-A17184A7D067}"/>
+                </a:ext>
+              </a:extLst>
+            </p:cNvPr>
+            <p:cNvGrpSpPr/>
+            <p:nvPr/>
+          </p:nvGrpSpPr>
+          <p:grpSpPr>
+            <a:xfrm>
+              <a:off x="9213267" y="1386458"/>
+              <a:ext cx="1453147" cy="1414507"/>
+              <a:chOff x="1232345" y="1216241"/>
+              <a:chExt cx="1453147" cy="1414507"/>
+            </a:xfrm>
+            <a:solidFill>
+              <a:srgbClr val="00FF99">
+                <a:alpha val="49804"/>
+              </a:srgbClr>
+            </a:solidFill>
+          </p:grpSpPr>
+          <p:sp>
+            <p:nvSpPr>
+              <p:cNvPr id="109" name="Rectangle: Rounded Corners 108">
+                <a:extLst>
+                  <a:ext uri="{FF2B5EF4-FFF2-40B4-BE49-F238E27FC236}">
+                    <a16:creationId xmlns:a16="http://schemas.microsoft.com/office/drawing/2014/main" id="{D94D7CDD-31CE-426A-958E-70FD1081305A}"/>
+                  </a:ext>
+                </a:extLst>
+              </p:cNvPr>
+              <p:cNvSpPr/>
+              <p:nvPr/>
+            </p:nvSpPr>
+            <p:spPr>
+              <a:xfrm>
+                <a:off x="2303752" y="2249009"/>
+                <a:ext cx="381740" cy="381739"/>
+              </a:xfrm>
+              <a:prstGeom prst="roundRect">
+                <a:avLst/>
+              </a:prstGeom>
+              <a:grpFill/>
+            </p:spPr>
+            <p:style>
+              <a:lnRef idx="2">
+                <a:schemeClr val="accent2">
+                  <a:shade val="50000"/>
+                </a:schemeClr>
+              </a:lnRef>
+              <a:fillRef idx="1">
+                <a:schemeClr val="accent2"/>
+              </a:fillRef>
+              <a:effectRef idx="0">
+                <a:schemeClr val="accent2"/>
+              </a:effectRef>
+              <a:fontRef idx="minor">
+                <a:schemeClr val="lt1"/>
+              </a:fontRef>
+            </p:style>
+            <p:txBody>
+              <a:bodyPr rtlCol="0" anchor="ctr"/>
+              <a:lstStyle/>
+              <a:p>
+                <a:pPr algn="ctr"/>
                 <a:r>
                   <a:rPr lang="en-US" dirty="0">
                     <a:solidFill>
@@ -10883,10 +12728,10 @@
           </p:sp>
           <p:sp>
             <p:nvSpPr>
-              <p:cNvPr id="127" name="Rectangle: Rounded Corners 126">
+              <p:cNvPr id="110" name="Rectangle: Rounded Corners 109">
                 <a:extLst>
                   <a:ext uri="{FF2B5EF4-FFF2-40B4-BE49-F238E27FC236}">
-                    <a16:creationId xmlns:a16="http://schemas.microsoft.com/office/drawing/2014/main" id="{1B6A2450-8BCA-464A-97A5-275DF0A3F8AF}"/>
+                    <a16:creationId xmlns:a16="http://schemas.microsoft.com/office/drawing/2014/main" id="{23009B6F-F660-444C-9EFD-EF7309DA7B1B}"/>
                   </a:ext>
                 </a:extLst>
               </p:cNvPr>
@@ -10937,10 +12782,10 @@
           </p:sp>
           <p:sp>
             <p:nvSpPr>
-              <p:cNvPr id="128" name="Rectangle: Rounded Corners 127">
+              <p:cNvPr id="111" name="Rectangle: Rounded Corners 110">
                 <a:extLst>
                   <a:ext uri="{FF2B5EF4-FFF2-40B4-BE49-F238E27FC236}">
-                    <a16:creationId xmlns:a16="http://schemas.microsoft.com/office/drawing/2014/main" id="{52DCF8B9-2D03-4CA8-A34B-71FAED7050C3}"/>
+                    <a16:creationId xmlns:a16="http://schemas.microsoft.com/office/drawing/2014/main" id="{4D96AE8F-0F32-4639-A6DD-62CF1543AB17}"/>
                   </a:ext>
                 </a:extLst>
               </p:cNvPr>
@@ -10991,10 +12836,10 @@
           </p:sp>
           <p:sp>
             <p:nvSpPr>
-              <p:cNvPr id="129" name="Rectangle: Rounded Corners 128">
+              <p:cNvPr id="112" name="Rectangle: Rounded Corners 111">
                 <a:extLst>
                   <a:ext uri="{FF2B5EF4-FFF2-40B4-BE49-F238E27FC236}">
-                    <a16:creationId xmlns:a16="http://schemas.microsoft.com/office/drawing/2014/main" id="{4888726B-5953-4033-B28C-13F837D34799}"/>
+                    <a16:creationId xmlns:a16="http://schemas.microsoft.com/office/drawing/2014/main" id="{91CFD901-9171-4B34-BBA5-47C7B21D1EF6}"/>
                   </a:ext>
                 </a:extLst>
               </p:cNvPr>
@@ -11045,10 +12890,10 @@
           </p:sp>
           <p:sp>
             <p:nvSpPr>
-              <p:cNvPr id="131" name="Rectangle: Rounded Corners 130">
+              <p:cNvPr id="113" name="Rectangle: Rounded Corners 112">
                 <a:extLst>
                   <a:ext uri="{FF2B5EF4-FFF2-40B4-BE49-F238E27FC236}">
-                    <a16:creationId xmlns:a16="http://schemas.microsoft.com/office/drawing/2014/main" id="{8C3781FC-D137-4568-A91C-A60926FE68E4}"/>
+                    <a16:creationId xmlns:a16="http://schemas.microsoft.com/office/drawing/2014/main" id="{5EB9785D-1B39-41E6-8327-C6D2210EBE99}"/>
                   </a:ext>
                 </a:extLst>
               </p:cNvPr>
@@ -11099,10 +12944,10 @@
           </p:sp>
           <p:sp>
             <p:nvSpPr>
-              <p:cNvPr id="132" name="Rectangle: Rounded Corners 131">
+              <p:cNvPr id="114" name="Rectangle: Rounded Corners 113">
                 <a:extLst>
                   <a:ext uri="{FF2B5EF4-FFF2-40B4-BE49-F238E27FC236}">
-                    <a16:creationId xmlns:a16="http://schemas.microsoft.com/office/drawing/2014/main" id="{24C07D68-2A50-4E6C-9EC5-C33CAF6EDF71}"/>
+                    <a16:creationId xmlns:a16="http://schemas.microsoft.com/office/drawing/2014/main" id="{2AAE70D5-39B3-415B-91AA-F8F67438189D}"/>
                   </a:ext>
                 </a:extLst>
               </p:cNvPr>
@@ -11153,10 +12998,10 @@
           </p:sp>
           <p:sp>
             <p:nvSpPr>
-              <p:cNvPr id="133" name="Rectangle: Rounded Corners 132">
+              <p:cNvPr id="115" name="Rectangle: Rounded Corners 114">
                 <a:extLst>
                   <a:ext uri="{FF2B5EF4-FFF2-40B4-BE49-F238E27FC236}">
-                    <a16:creationId xmlns:a16="http://schemas.microsoft.com/office/drawing/2014/main" id="{7BB9596A-70A1-4F2A-8C1B-853793CFE11D}"/>
+                    <a16:creationId xmlns:a16="http://schemas.microsoft.com/office/drawing/2014/main" id="{6C765C3E-DB31-40AF-B670-A6B978099878}"/>
                   </a:ext>
                 </a:extLst>
               </p:cNvPr>
@@ -11207,10 +13052,10 @@
           </p:sp>
           <p:sp>
             <p:nvSpPr>
-              <p:cNvPr id="135" name="Rectangle: Rounded Corners 134">
+              <p:cNvPr id="116" name="Rectangle: Rounded Corners 115">
                 <a:extLst>
                   <a:ext uri="{FF2B5EF4-FFF2-40B4-BE49-F238E27FC236}">
-                    <a16:creationId xmlns:a16="http://schemas.microsoft.com/office/drawing/2014/main" id="{D3B6FE82-1770-4B97-9529-619CF6204B22}"/>
+                    <a16:creationId xmlns:a16="http://schemas.microsoft.com/office/drawing/2014/main" id="{39156A11-573B-4A87-B0E6-C02A808A82F5}"/>
                   </a:ext>
                 </a:extLst>
               </p:cNvPr>
@@ -11261,10 +13106,10 @@
           </p:sp>
           <p:sp>
             <p:nvSpPr>
-              <p:cNvPr id="136" name="Rectangle: Rounded Corners 135">
+              <p:cNvPr id="117" name="Rectangle: Rounded Corners 116">
                 <a:extLst>
                   <a:ext uri="{FF2B5EF4-FFF2-40B4-BE49-F238E27FC236}">
-                    <a16:creationId xmlns:a16="http://schemas.microsoft.com/office/drawing/2014/main" id="{84DA66C6-9738-461B-92A7-0E95862D1B92}"/>
+                    <a16:creationId xmlns:a16="http://schemas.microsoft.com/office/drawing/2014/main" id="{78B1CAFC-2880-4F5A-8695-AA3350260A9C}"/>
                   </a:ext>
                 </a:extLst>
               </p:cNvPr>
@@ -11317,10 +13162,10 @@
       </p:grpSp>
       <p:sp>
         <p:nvSpPr>
-          <p:cNvPr id="3" name="Double Brace 2">
-            <a:extLst>
-              <a:ext uri="{FF2B5EF4-FFF2-40B4-BE49-F238E27FC236}">
-                <a16:creationId xmlns:a16="http://schemas.microsoft.com/office/drawing/2014/main" id="{5E379EEA-9882-41D1-87E4-717B4CEFE602}"/>
+          <p:cNvPr id="127" name="Double Brace 126">
+            <a:extLst>
+              <a:ext uri="{FF2B5EF4-FFF2-40B4-BE49-F238E27FC236}">
+                <a16:creationId xmlns:a16="http://schemas.microsoft.com/office/drawing/2014/main" id="{8E8229DF-9697-4CFF-8C16-64F9405136CA}"/>
               </a:ext>
             </a:extLst>
           </p:cNvPr>
@@ -11329,8 +13174,8 @@
         </p:nvSpPr>
         <p:spPr>
           <a:xfrm>
-            <a:off x="4216894" y="923278"/>
-            <a:ext cx="5752730" cy="2093593"/>
+            <a:off x="4181475" y="1044789"/>
+            <a:ext cx="4629150" cy="2093593"/>
           </a:xfrm>
           <a:prstGeom prst="bracePair">
             <a:avLst/>
@@ -11366,10 +13211,10 @@
       </p:sp>
       <p:sp>
         <p:nvSpPr>
-          <p:cNvPr id="7" name="TextBox 6">
-            <a:extLst>
-              <a:ext uri="{FF2B5EF4-FFF2-40B4-BE49-F238E27FC236}">
-                <a16:creationId xmlns:a16="http://schemas.microsoft.com/office/drawing/2014/main" id="{DBA4BB20-9704-416A-883E-EB0CE974DEFB}"/>
+          <p:cNvPr id="128" name="TextBox 127">
+            <a:extLst>
+              <a:ext uri="{FF2B5EF4-FFF2-40B4-BE49-F238E27FC236}">
+                <a16:creationId xmlns:a16="http://schemas.microsoft.com/office/drawing/2014/main" id="{F62AD1C5-B7CE-47FC-B3C4-48FEAF560F5D}"/>
               </a:ext>
             </a:extLst>
           </p:cNvPr>
@@ -11378,8 +13223,8 @@
         </p:nvSpPr>
         <p:spPr>
           <a:xfrm>
-            <a:off x="4515268" y="1065987"/>
-            <a:ext cx="972830" cy="369332"/>
+            <a:off x="4358169" y="1187498"/>
+            <a:ext cx="597343" cy="369332"/>
           </a:xfrm>
           <a:prstGeom prst="rect">
             <a:avLst/>
@@ -11394,17 +13239,17 @@
           <a:p>
             <a:r>
               <a:rPr lang="en-US" dirty="0"/>
-              <a:t>“key Z”: </a:t>
+              <a:t>“A”: </a:t>
             </a:r>
           </a:p>
         </p:txBody>
       </p:sp>
       <p:sp>
         <p:nvSpPr>
-          <p:cNvPr id="65" name="TextBox 64">
-            <a:extLst>
-              <a:ext uri="{FF2B5EF4-FFF2-40B4-BE49-F238E27FC236}">
-                <a16:creationId xmlns:a16="http://schemas.microsoft.com/office/drawing/2014/main" id="{93ACB758-1FAD-46EB-AC08-D2CFBB4FCDCB}"/>
+          <p:cNvPr id="129" name="TextBox 128">
+            <a:extLst>
+              <a:ext uri="{FF2B5EF4-FFF2-40B4-BE49-F238E27FC236}">
+                <a16:creationId xmlns:a16="http://schemas.microsoft.com/office/drawing/2014/main" id="{7C51DCD4-56C1-4B3A-B4AF-31DDB52FBDB1}"/>
               </a:ext>
             </a:extLst>
           </p:cNvPr>
@@ -11413,8 +13258,8 @@
         </p:nvSpPr>
         <p:spPr>
           <a:xfrm>
-            <a:off x="6513144" y="1065987"/>
-            <a:ext cx="984500" cy="369332"/>
+            <a:off x="5813120" y="1187498"/>
+            <a:ext cx="617477" cy="369332"/>
           </a:xfrm>
           <a:prstGeom prst="rect">
             <a:avLst/>
@@ -11429,7 +13274,62 @@
           <a:p>
             <a:r>
               <a:rPr lang="en-US" dirty="0"/>
-              <a:t>“key A”: </a:t>
+              <a:t>“B”: </a:t>
+            </a:r>
+          </a:p>
+        </p:txBody>
+      </p:sp>
+      <p:sp>
+        <p:nvSpPr>
+          <p:cNvPr id="130" name="TextBox 129">
+            <a:extLst>
+              <a:ext uri="{FF2B5EF4-FFF2-40B4-BE49-F238E27FC236}">
+                <a16:creationId xmlns:a16="http://schemas.microsoft.com/office/drawing/2014/main" id="{6AD07D85-2CBE-40FB-84FC-1A40FD08BED8}"/>
+              </a:ext>
+            </a:extLst>
+          </p:cNvPr>
+          <p:cNvSpPr txBox="1"/>
+          <p:nvPr/>
+        </p:nvSpPr>
+        <p:spPr>
+          <a:xfrm>
+            <a:off x="5649868" y="219158"/>
+            <a:ext cx="1555106" cy="738664"/>
+          </a:xfrm>
+          <a:prstGeom prst="rect">
+            <a:avLst/>
+          </a:prstGeom>
+          <a:noFill/>
+        </p:spPr>
+        <p:txBody>
+          <a:bodyPr wrap="none" rtlCol="0">
+            <a:spAutoFit/>
+          </a:bodyPr>
+          <a:lstStyle/>
+          <a:p>
+            <a:pPr algn="ctr"/>
+            <a:r>
+              <a:rPr lang="en-US" dirty="0" err="1"/>
+              <a:t>DataOpDict</a:t>
+            </a:r>
+            <a:endParaRPr lang="en-US" dirty="0"/>
+          </a:p>
+          <a:p>
+            <a:pPr algn="ctr"/>
+            <a:r>
+              <a:rPr lang="en-US" sz="1200" dirty="0" err="1"/>
+              <a:t>dtype</a:t>
+            </a:r>
+            <a:r>
+              <a:rPr lang="en-US" sz="1200" dirty="0"/>
+              <a:t>=(float32, int32)</a:t>
+            </a:r>
+          </a:p>
+          <a:p>
+            <a:pPr algn="ctr"/>
+            <a:r>
+              <a:rPr lang="en-US" sz="1200" dirty="0"/>
+              <a:t>shape=((2,), ())</a:t>
             </a:r>
           </a:p>
         </p:txBody>
@@ -11437,7 +13337,7 @@
     </p:spTree>
     <p:extLst>
       <p:ext uri="{BB962C8B-B14F-4D97-AF65-F5344CB8AC3E}">
-        <p14:creationId xmlns:p14="http://schemas.microsoft.com/office/powerpoint/2010/main" val="2060124245"/>
+        <p14:creationId xmlns:p14="http://schemas.microsoft.com/office/powerpoint/2010/main" val="1196264602"/>
       </p:ext>
     </p:extLst>
   </p:cSld>

--- a/docs/images/image_ppt.pptx
+++ b/docs/images/image_ppt.pptx
@@ -10,6 +10,7 @@
     <p:sldId id="258" r:id="rId4"/>
     <p:sldId id="259" r:id="rId5"/>
     <p:sldId id="260" r:id="rId6"/>
+    <p:sldId id="261" r:id="rId7"/>
   </p:sldIdLst>
   <p:sldSz cx="12192000" cy="6858000"/>
   <p:notesSz cx="6858000" cy="9144000"/>
@@ -263,7 +264,7 @@
           <a:p>
             <a:fld id="{80339CCA-B3FF-48E6-8D3D-C80D833CA193}" type="datetimeFigureOut">
               <a:rPr lang="en-US" smtClean="0"/>
-              <a:t>2018-10-31</a:t>
+              <a:t>2019-06-08</a:t>
             </a:fld>
             <a:endParaRPr lang="en-US"/>
           </a:p>
@@ -461,7 +462,7 @@
           <a:p>
             <a:fld id="{80339CCA-B3FF-48E6-8D3D-C80D833CA193}" type="datetimeFigureOut">
               <a:rPr lang="en-US" smtClean="0"/>
-              <a:t>2018-10-31</a:t>
+              <a:t>2019-06-08</a:t>
             </a:fld>
             <a:endParaRPr lang="en-US"/>
           </a:p>
@@ -669,7 +670,7 @@
           <a:p>
             <a:fld id="{80339CCA-B3FF-48E6-8D3D-C80D833CA193}" type="datetimeFigureOut">
               <a:rPr lang="en-US" smtClean="0"/>
-              <a:t>2018-10-31</a:t>
+              <a:t>2019-06-08</a:t>
             </a:fld>
             <a:endParaRPr lang="en-US"/>
           </a:p>
@@ -867,7 +868,7 @@
           <a:p>
             <a:fld id="{80339CCA-B3FF-48E6-8D3D-C80D833CA193}" type="datetimeFigureOut">
               <a:rPr lang="en-US" smtClean="0"/>
-              <a:t>2018-10-31</a:t>
+              <a:t>2019-06-08</a:t>
             </a:fld>
             <a:endParaRPr lang="en-US"/>
           </a:p>
@@ -1142,7 +1143,7 @@
           <a:p>
             <a:fld id="{80339CCA-B3FF-48E6-8D3D-C80D833CA193}" type="datetimeFigureOut">
               <a:rPr lang="en-US" smtClean="0"/>
-              <a:t>2018-10-31</a:t>
+              <a:t>2019-06-08</a:t>
             </a:fld>
             <a:endParaRPr lang="en-US"/>
           </a:p>
@@ -1407,7 +1408,7 @@
           <a:p>
             <a:fld id="{80339CCA-B3FF-48E6-8D3D-C80D833CA193}" type="datetimeFigureOut">
               <a:rPr lang="en-US" smtClean="0"/>
-              <a:t>2018-10-31</a:t>
+              <a:t>2019-06-08</a:t>
             </a:fld>
             <a:endParaRPr lang="en-US"/>
           </a:p>
@@ -1819,7 +1820,7 @@
           <a:p>
             <a:fld id="{80339CCA-B3FF-48E6-8D3D-C80D833CA193}" type="datetimeFigureOut">
               <a:rPr lang="en-US" smtClean="0"/>
-              <a:t>2018-10-31</a:t>
+              <a:t>2019-06-08</a:t>
             </a:fld>
             <a:endParaRPr lang="en-US"/>
           </a:p>
@@ -1960,7 +1961,7 @@
           <a:p>
             <a:fld id="{80339CCA-B3FF-48E6-8D3D-C80D833CA193}" type="datetimeFigureOut">
               <a:rPr lang="en-US" smtClean="0"/>
-              <a:t>2018-10-31</a:t>
+              <a:t>2019-06-08</a:t>
             </a:fld>
             <a:endParaRPr lang="en-US"/>
           </a:p>
@@ -2073,7 +2074,7 @@
           <a:p>
             <a:fld id="{80339CCA-B3FF-48E6-8D3D-C80D833CA193}" type="datetimeFigureOut">
               <a:rPr lang="en-US" smtClean="0"/>
-              <a:t>2018-10-31</a:t>
+              <a:t>2019-06-08</a:t>
             </a:fld>
             <a:endParaRPr lang="en-US"/>
           </a:p>
@@ -2384,7 +2385,7 @@
           <a:p>
             <a:fld id="{80339CCA-B3FF-48E6-8D3D-C80D833CA193}" type="datetimeFigureOut">
               <a:rPr lang="en-US" smtClean="0"/>
-              <a:t>2018-10-31</a:t>
+              <a:t>2019-06-08</a:t>
             </a:fld>
             <a:endParaRPr lang="en-US"/>
           </a:p>
@@ -2672,7 +2673,7 @@
           <a:p>
             <a:fld id="{80339CCA-B3FF-48E6-8D3D-C80D833CA193}" type="datetimeFigureOut">
               <a:rPr lang="en-US" smtClean="0"/>
-              <a:t>2018-10-31</a:t>
+              <a:t>2019-06-08</a:t>
             </a:fld>
             <a:endParaRPr lang="en-US"/>
           </a:p>
@@ -2913,7 +2914,7 @@
           <a:p>
             <a:fld id="{80339CCA-B3FF-48E6-8D3D-C80D833CA193}" type="datetimeFigureOut">
               <a:rPr lang="en-US" smtClean="0"/>
-              <a:t>2018-10-31</a:t>
+              <a:t>2019-06-08</a:t>
             </a:fld>
             <a:endParaRPr lang="en-US"/>
           </a:p>
@@ -13347,6 +13348,764 @@
 </p:sld>
 </file>
 
+<file path=ppt/slides/slide6.xml><?xml version="1.0" encoding="utf-8"?>
+<p:sld xmlns:a="http://schemas.openxmlformats.org/drawingml/2006/main" xmlns:r="http://schemas.openxmlformats.org/officeDocument/2006/relationships" xmlns:p="http://schemas.openxmlformats.org/presentationml/2006/main">
+  <p:cSld>
+    <p:spTree>
+      <p:nvGrpSpPr>
+        <p:cNvPr id="1" name=""/>
+        <p:cNvGrpSpPr/>
+        <p:nvPr/>
+      </p:nvGrpSpPr>
+      <p:grpSpPr>
+        <a:xfrm>
+          <a:off x="0" y="0"/>
+          <a:ext cx="0" cy="0"/>
+          <a:chOff x="0" y="0"/>
+          <a:chExt cx="0" cy="0"/>
+        </a:xfrm>
+      </p:grpSpPr>
+      <p:grpSp>
+        <p:nvGrpSpPr>
+          <p:cNvPr id="21" name="Group 20">
+            <a:extLst>
+              <a:ext uri="{FF2B5EF4-FFF2-40B4-BE49-F238E27FC236}">
+                <a16:creationId xmlns:a16="http://schemas.microsoft.com/office/drawing/2014/main" id="{396DF811-E42E-40F2-BC9C-48A4744137CA}"/>
+              </a:ext>
+            </a:extLst>
+          </p:cNvPr>
+          <p:cNvGrpSpPr/>
+          <p:nvPr/>
+        </p:nvGrpSpPr>
+        <p:grpSpPr>
+          <a:xfrm>
+            <a:off x="897622" y="813732"/>
+            <a:ext cx="2924319" cy="2668214"/>
+            <a:chOff x="897622" y="813732"/>
+            <a:chExt cx="2924319" cy="2668214"/>
+          </a:xfrm>
+        </p:grpSpPr>
+        <p:sp>
+          <p:nvSpPr>
+            <p:cNvPr id="4" name="Rectangle 3">
+              <a:extLst>
+                <a:ext uri="{FF2B5EF4-FFF2-40B4-BE49-F238E27FC236}">
+                  <a16:creationId xmlns:a16="http://schemas.microsoft.com/office/drawing/2014/main" id="{77CBBE72-5588-412A-8ACB-6053FFE9912F}"/>
+                </a:ext>
+              </a:extLst>
+            </p:cNvPr>
+            <p:cNvSpPr/>
+            <p:nvPr/>
+          </p:nvSpPr>
+          <p:spPr>
+            <a:xfrm>
+              <a:off x="897622" y="813732"/>
+              <a:ext cx="2888876" cy="2615268"/>
+            </a:xfrm>
+            <a:prstGeom prst="rect">
+              <a:avLst/>
+            </a:prstGeom>
+            <a:noFill/>
+          </p:spPr>
+          <p:style>
+            <a:lnRef idx="2">
+              <a:schemeClr val="accent1">
+                <a:shade val="50000"/>
+              </a:schemeClr>
+            </a:lnRef>
+            <a:fillRef idx="1">
+              <a:schemeClr val="accent1"/>
+            </a:fillRef>
+            <a:effectRef idx="0">
+              <a:schemeClr val="accent1"/>
+            </a:effectRef>
+            <a:fontRef idx="minor">
+              <a:schemeClr val="lt1"/>
+            </a:fontRef>
+          </p:style>
+          <p:txBody>
+            <a:bodyPr rtlCol="0" anchor="t"/>
+            <a:lstStyle/>
+            <a:p>
+              <a:r>
+                <a:rPr lang="en-US" dirty="0">
+                  <a:solidFill>
+                    <a:schemeClr val="tx1"/>
+                  </a:solidFill>
+                </a:rPr>
+                <a:t>Legend:</a:t>
+              </a:r>
+            </a:p>
+            <a:p>
+              <a:endParaRPr lang="en-US" dirty="0">
+                <a:solidFill>
+                  <a:schemeClr val="tx1"/>
+                </a:solidFill>
+              </a:endParaRPr>
+            </a:p>
+          </p:txBody>
+        </p:sp>
+        <p:sp>
+          <p:nvSpPr>
+            <p:cNvPr id="5" name="Rectangle: Rounded Corners 4">
+              <a:extLst>
+                <a:ext uri="{FF2B5EF4-FFF2-40B4-BE49-F238E27FC236}">
+                  <a16:creationId xmlns:a16="http://schemas.microsoft.com/office/drawing/2014/main" id="{317DD612-0B88-4AD7-8D7A-75A609715F43}"/>
+                </a:ext>
+              </a:extLst>
+            </p:cNvPr>
+            <p:cNvSpPr/>
+            <p:nvPr/>
+          </p:nvSpPr>
+          <p:spPr>
+            <a:xfrm>
+              <a:off x="2016247" y="1282724"/>
+              <a:ext cx="796956" cy="360726"/>
+            </a:xfrm>
+            <a:prstGeom prst="roundRect">
+              <a:avLst/>
+            </a:prstGeom>
+            <a:solidFill>
+              <a:srgbClr val="FFC000"/>
+            </a:solidFill>
+            <a:ln>
+              <a:noFill/>
+            </a:ln>
+          </p:spPr>
+          <p:style>
+            <a:lnRef idx="2">
+              <a:schemeClr val="accent1">
+                <a:shade val="50000"/>
+              </a:schemeClr>
+            </a:lnRef>
+            <a:fillRef idx="1">
+              <a:schemeClr val="accent1"/>
+            </a:fillRef>
+            <a:effectRef idx="0">
+              <a:schemeClr val="accent1"/>
+            </a:effectRef>
+            <a:fontRef idx="minor">
+              <a:schemeClr val="lt1"/>
+            </a:fontRef>
+          </p:style>
+          <p:txBody>
+            <a:bodyPr rtlCol="0" anchor="ctr"/>
+            <a:lstStyle/>
+            <a:p>
+              <a:pPr algn="ctr"/>
+              <a:r>
+                <a:rPr lang="en-US" sz="1200" dirty="0">
+                  <a:solidFill>
+                    <a:schemeClr val="tx1"/>
+                  </a:solidFill>
+                </a:rPr>
+                <a:t>API method</a:t>
+              </a:r>
+            </a:p>
+          </p:txBody>
+        </p:sp>
+        <p:sp>
+          <p:nvSpPr>
+            <p:cNvPr id="6" name="Rectangle: Rounded Corners 5">
+              <a:extLst>
+                <a:ext uri="{FF2B5EF4-FFF2-40B4-BE49-F238E27FC236}">
+                  <a16:creationId xmlns:a16="http://schemas.microsoft.com/office/drawing/2014/main" id="{8E2DD96B-33A2-4814-862F-11134AF3DDDA}"/>
+                </a:ext>
+              </a:extLst>
+            </p:cNvPr>
+            <p:cNvSpPr/>
+            <p:nvPr/>
+          </p:nvSpPr>
+          <p:spPr>
+            <a:xfrm>
+              <a:off x="2895863" y="1276528"/>
+              <a:ext cx="796957" cy="360726"/>
+            </a:xfrm>
+            <a:prstGeom prst="roundRect">
+              <a:avLst/>
+            </a:prstGeom>
+            <a:solidFill>
+              <a:schemeClr val="accent2">
+                <a:lumMod val="20000"/>
+                <a:lumOff val="80000"/>
+              </a:schemeClr>
+            </a:solidFill>
+            <a:ln>
+              <a:noFill/>
+            </a:ln>
+          </p:spPr>
+          <p:style>
+            <a:lnRef idx="2">
+              <a:schemeClr val="accent1">
+                <a:shade val="50000"/>
+              </a:schemeClr>
+            </a:lnRef>
+            <a:fillRef idx="1">
+              <a:schemeClr val="accent1"/>
+            </a:fillRef>
+            <a:effectRef idx="0">
+              <a:schemeClr val="accent1"/>
+            </a:effectRef>
+            <a:fontRef idx="minor">
+              <a:schemeClr val="lt1"/>
+            </a:fontRef>
+          </p:style>
+          <p:txBody>
+            <a:bodyPr rtlCol="0" anchor="ctr"/>
+            <a:lstStyle/>
+            <a:p>
+              <a:pPr algn="ctr"/>
+              <a:r>
+                <a:rPr lang="en-US" sz="1200" dirty="0">
+                  <a:solidFill>
+                    <a:schemeClr val="tx1"/>
+                  </a:solidFill>
+                </a:rPr>
+                <a:t>Graph function</a:t>
+              </a:r>
+            </a:p>
+          </p:txBody>
+        </p:sp>
+        <p:grpSp>
+          <p:nvGrpSpPr>
+            <p:cNvPr id="7" name="Group 6">
+              <a:extLst>
+                <a:ext uri="{FF2B5EF4-FFF2-40B4-BE49-F238E27FC236}">
+                  <a16:creationId xmlns:a16="http://schemas.microsoft.com/office/drawing/2014/main" id="{5BD3BC34-8806-4AA7-8C50-7189B6DBD4A7}"/>
+                </a:ext>
+              </a:extLst>
+            </p:cNvPr>
+            <p:cNvGrpSpPr/>
+            <p:nvPr/>
+          </p:nvGrpSpPr>
+          <p:grpSpPr>
+            <a:xfrm>
+              <a:off x="1065402" y="1807746"/>
+              <a:ext cx="1125130" cy="276999"/>
+              <a:chOff x="1065402" y="1807746"/>
+              <a:chExt cx="1125130" cy="276999"/>
+            </a:xfrm>
+          </p:grpSpPr>
+          <p:cxnSp>
+            <p:nvCxnSpPr>
+              <p:cNvPr id="8" name="Straight Arrow Connector 7">
+                <a:extLst>
+                  <a:ext uri="{FF2B5EF4-FFF2-40B4-BE49-F238E27FC236}">
+                    <a16:creationId xmlns:a16="http://schemas.microsoft.com/office/drawing/2014/main" id="{9C04ACB8-C072-4069-ABBB-81DC331423BA}"/>
+                  </a:ext>
+                </a:extLst>
+              </p:cNvPr>
+              <p:cNvCxnSpPr/>
+              <p:nvPr/>
+            </p:nvCxnSpPr>
+            <p:spPr>
+              <a:xfrm>
+                <a:off x="1065402" y="1946246"/>
+                <a:ext cx="578840" cy="0"/>
+              </a:xfrm>
+              <a:prstGeom prst="straightConnector1">
+                <a:avLst/>
+              </a:prstGeom>
+              <a:ln w="38100">
+                <a:solidFill>
+                  <a:srgbClr val="00B050"/>
+                </a:solidFill>
+                <a:tailEnd type="triangle"/>
+              </a:ln>
+            </p:spPr>
+            <p:style>
+              <a:lnRef idx="1">
+                <a:schemeClr val="accent1"/>
+              </a:lnRef>
+              <a:fillRef idx="0">
+                <a:schemeClr val="accent1"/>
+              </a:fillRef>
+              <a:effectRef idx="0">
+                <a:schemeClr val="accent1"/>
+              </a:effectRef>
+              <a:fontRef idx="minor">
+                <a:schemeClr val="tx1"/>
+              </a:fontRef>
+            </p:style>
+          </p:cxnSp>
+          <p:sp>
+            <p:nvSpPr>
+              <p:cNvPr id="9" name="TextBox 8">
+                <a:extLst>
+                  <a:ext uri="{FF2B5EF4-FFF2-40B4-BE49-F238E27FC236}">
+                    <a16:creationId xmlns:a16="http://schemas.microsoft.com/office/drawing/2014/main" id="{B2B94383-5778-4EA1-B6EB-5CAACD034276}"/>
+                  </a:ext>
+                </a:extLst>
+              </p:cNvPr>
+              <p:cNvSpPr txBox="1"/>
+              <p:nvPr/>
+            </p:nvSpPr>
+            <p:spPr>
+              <a:xfrm>
+                <a:off x="1718736" y="1807746"/>
+                <a:ext cx="471796" cy="276999"/>
+              </a:xfrm>
+              <a:prstGeom prst="rect">
+                <a:avLst/>
+              </a:prstGeom>
+              <a:noFill/>
+            </p:spPr>
+            <p:txBody>
+              <a:bodyPr wrap="none" rtlCol="0">
+                <a:spAutoFit/>
+              </a:bodyPr>
+              <a:lstStyle/>
+              <a:p>
+                <a:r>
+                  <a:rPr lang="en-US" sz="1200" dirty="0"/>
+                  <a:t>float</a:t>
+                </a:r>
+              </a:p>
+            </p:txBody>
+          </p:sp>
+        </p:grpSp>
+        <p:grpSp>
+          <p:nvGrpSpPr>
+            <p:cNvPr id="10" name="Group 9">
+              <a:extLst>
+                <a:ext uri="{FF2B5EF4-FFF2-40B4-BE49-F238E27FC236}">
+                  <a16:creationId xmlns:a16="http://schemas.microsoft.com/office/drawing/2014/main" id="{48B22425-06D3-488E-A43C-E9F09231BA7D}"/>
+                </a:ext>
+              </a:extLst>
+            </p:cNvPr>
+            <p:cNvGrpSpPr/>
+            <p:nvPr/>
+          </p:nvGrpSpPr>
+          <p:grpSpPr>
+            <a:xfrm>
+              <a:off x="2303216" y="1792856"/>
+              <a:ext cx="1003302" cy="276999"/>
+              <a:chOff x="1065402" y="1807746"/>
+              <a:chExt cx="1003302" cy="276999"/>
+            </a:xfrm>
+          </p:grpSpPr>
+          <p:cxnSp>
+            <p:nvCxnSpPr>
+              <p:cNvPr id="11" name="Straight Arrow Connector 10">
+                <a:extLst>
+                  <a:ext uri="{FF2B5EF4-FFF2-40B4-BE49-F238E27FC236}">
+                    <a16:creationId xmlns:a16="http://schemas.microsoft.com/office/drawing/2014/main" id="{15179DE1-4F54-4194-AE94-94579FD1F59D}"/>
+                  </a:ext>
+                </a:extLst>
+              </p:cNvPr>
+              <p:cNvCxnSpPr/>
+              <p:nvPr/>
+            </p:nvCxnSpPr>
+            <p:spPr>
+              <a:xfrm>
+                <a:off x="1065402" y="1946246"/>
+                <a:ext cx="578840" cy="0"/>
+              </a:xfrm>
+              <a:prstGeom prst="straightConnector1">
+                <a:avLst/>
+              </a:prstGeom>
+              <a:ln w="38100">
+                <a:solidFill>
+                  <a:schemeClr val="accent4">
+                    <a:lumMod val="40000"/>
+                    <a:lumOff val="60000"/>
+                  </a:schemeClr>
+                </a:solidFill>
+                <a:tailEnd type="triangle"/>
+              </a:ln>
+            </p:spPr>
+            <p:style>
+              <a:lnRef idx="1">
+                <a:schemeClr val="accent1"/>
+              </a:lnRef>
+              <a:fillRef idx="0">
+                <a:schemeClr val="accent1"/>
+              </a:fillRef>
+              <a:effectRef idx="0">
+                <a:schemeClr val="accent1"/>
+              </a:effectRef>
+              <a:fontRef idx="minor">
+                <a:schemeClr val="tx1"/>
+              </a:fontRef>
+            </p:style>
+          </p:cxnSp>
+          <p:sp>
+            <p:nvSpPr>
+              <p:cNvPr id="12" name="TextBox 11">
+                <a:extLst>
+                  <a:ext uri="{FF2B5EF4-FFF2-40B4-BE49-F238E27FC236}">
+                    <a16:creationId xmlns:a16="http://schemas.microsoft.com/office/drawing/2014/main" id="{9E951216-D63A-44FC-A4A1-53C6B18D130F}"/>
+                  </a:ext>
+                </a:extLst>
+              </p:cNvPr>
+              <p:cNvSpPr txBox="1"/>
+              <p:nvPr/>
+            </p:nvSpPr>
+            <p:spPr>
+              <a:xfrm>
+                <a:off x="1718736" y="1807746"/>
+                <a:ext cx="349968" cy="276999"/>
+              </a:xfrm>
+              <a:prstGeom prst="rect">
+                <a:avLst/>
+              </a:prstGeom>
+              <a:noFill/>
+            </p:spPr>
+            <p:txBody>
+              <a:bodyPr wrap="none" rtlCol="0">
+                <a:spAutoFit/>
+              </a:bodyPr>
+              <a:lstStyle/>
+              <a:p>
+                <a:r>
+                  <a:rPr lang="en-US" sz="1200" dirty="0"/>
+                  <a:t>int</a:t>
+                </a:r>
+              </a:p>
+            </p:txBody>
+          </p:sp>
+        </p:grpSp>
+        <p:grpSp>
+          <p:nvGrpSpPr>
+            <p:cNvPr id="13" name="Group 12">
+              <a:extLst>
+                <a:ext uri="{FF2B5EF4-FFF2-40B4-BE49-F238E27FC236}">
+                  <a16:creationId xmlns:a16="http://schemas.microsoft.com/office/drawing/2014/main" id="{DC03542F-6E81-481A-837B-C2F96D35676F}"/>
+                </a:ext>
+              </a:extLst>
+            </p:cNvPr>
+            <p:cNvGrpSpPr/>
+            <p:nvPr/>
+          </p:nvGrpSpPr>
+          <p:grpSpPr>
+            <a:xfrm>
+              <a:off x="1065402" y="2023796"/>
+              <a:ext cx="1116922" cy="276999"/>
+              <a:chOff x="1065402" y="1807746"/>
+              <a:chExt cx="1116922" cy="276999"/>
+            </a:xfrm>
+          </p:grpSpPr>
+          <p:cxnSp>
+            <p:nvCxnSpPr>
+              <p:cNvPr id="14" name="Straight Arrow Connector 13">
+                <a:extLst>
+                  <a:ext uri="{FF2B5EF4-FFF2-40B4-BE49-F238E27FC236}">
+                    <a16:creationId xmlns:a16="http://schemas.microsoft.com/office/drawing/2014/main" id="{18FB9B0B-2DFE-4F4E-92E2-79A49A6A604C}"/>
+                  </a:ext>
+                </a:extLst>
+              </p:cNvPr>
+              <p:cNvCxnSpPr/>
+              <p:nvPr/>
+            </p:nvCxnSpPr>
+            <p:spPr>
+              <a:xfrm>
+                <a:off x="1065402" y="1946246"/>
+                <a:ext cx="578840" cy="0"/>
+              </a:xfrm>
+              <a:prstGeom prst="straightConnector1">
+                <a:avLst/>
+              </a:prstGeom>
+              <a:ln w="38100">
+                <a:solidFill>
+                  <a:srgbClr val="C00000"/>
+                </a:solidFill>
+                <a:tailEnd type="triangle"/>
+              </a:ln>
+            </p:spPr>
+            <p:style>
+              <a:lnRef idx="1">
+                <a:schemeClr val="accent1"/>
+              </a:lnRef>
+              <a:fillRef idx="0">
+                <a:schemeClr val="accent1"/>
+              </a:fillRef>
+              <a:effectRef idx="0">
+                <a:schemeClr val="accent1"/>
+              </a:effectRef>
+              <a:fontRef idx="minor">
+                <a:schemeClr val="tx1"/>
+              </a:fontRef>
+            </p:style>
+          </p:cxnSp>
+          <p:sp>
+            <p:nvSpPr>
+              <p:cNvPr id="15" name="TextBox 14">
+                <a:extLst>
+                  <a:ext uri="{FF2B5EF4-FFF2-40B4-BE49-F238E27FC236}">
+                    <a16:creationId xmlns:a16="http://schemas.microsoft.com/office/drawing/2014/main" id="{F8602AC7-67EC-4837-9285-21EC47E7EF53}"/>
+                  </a:ext>
+                </a:extLst>
+              </p:cNvPr>
+              <p:cNvSpPr txBox="1"/>
+              <p:nvPr/>
+            </p:nvSpPr>
+            <p:spPr>
+              <a:xfrm>
+                <a:off x="1718736" y="1807746"/>
+                <a:ext cx="463588" cy="276999"/>
+              </a:xfrm>
+              <a:prstGeom prst="rect">
+                <a:avLst/>
+              </a:prstGeom>
+              <a:noFill/>
+            </p:spPr>
+            <p:txBody>
+              <a:bodyPr wrap="none" rtlCol="0">
+                <a:spAutoFit/>
+              </a:bodyPr>
+              <a:lstStyle/>
+              <a:p>
+                <a:r>
+                  <a:rPr lang="en-US" sz="1200" dirty="0"/>
+                  <a:t>bool</a:t>
+                </a:r>
+              </a:p>
+            </p:txBody>
+          </p:sp>
+        </p:grpSp>
+        <p:sp>
+          <p:nvSpPr>
+            <p:cNvPr id="16" name="TextBox 15">
+              <a:extLst>
+                <a:ext uri="{FF2B5EF4-FFF2-40B4-BE49-F238E27FC236}">
+                  <a16:creationId xmlns:a16="http://schemas.microsoft.com/office/drawing/2014/main" id="{D549DE17-3BA4-4FEF-B3DA-B1F1D788836C}"/>
+                </a:ext>
+              </a:extLst>
+            </p:cNvPr>
+            <p:cNvSpPr txBox="1"/>
+            <p:nvPr/>
+          </p:nvSpPr>
+          <p:spPr>
+            <a:xfrm>
+              <a:off x="968852" y="2466283"/>
+              <a:ext cx="2853089" cy="1015663"/>
+            </a:xfrm>
+            <a:prstGeom prst="rect">
+              <a:avLst/>
+            </a:prstGeom>
+            <a:noFill/>
+          </p:spPr>
+          <p:txBody>
+            <a:bodyPr wrap="none" rtlCol="0">
+              <a:spAutoFit/>
+            </a:bodyPr>
+            <a:lstStyle/>
+            <a:p>
+              <a:r>
+                <a:rPr lang="en-US" sz="1200" dirty="0"/>
+                <a:t>+B (batch rank)         +T (time rank)</a:t>
+              </a:r>
+            </a:p>
+            <a:p>
+              <a:endParaRPr lang="en-US" sz="1200" dirty="0"/>
+            </a:p>
+            <a:p>
+              <a:r>
+                <a:rPr lang="en-US" sz="1200" dirty="0"/>
+                <a:t>in-0/1.. (input call into API/graph-</a:t>
+              </a:r>
+              <a:r>
+                <a:rPr lang="en-US" sz="1200" dirty="0" err="1"/>
+                <a:t>fn</a:t>
+              </a:r>
+              <a:r>
+                <a:rPr lang="en-US" sz="1200" dirty="0"/>
+                <a:t>)</a:t>
+              </a:r>
+            </a:p>
+            <a:p>
+              <a:r>
+                <a:rPr lang="en-US" sz="1200" dirty="0"/>
+                <a:t>out-0/1.. (return values from API/graph-</a:t>
+              </a:r>
+              <a:r>
+                <a:rPr lang="en-US" sz="1200" dirty="0" err="1"/>
+                <a:t>fn</a:t>
+              </a:r>
+              <a:r>
+                <a:rPr lang="en-US" sz="1200" dirty="0"/>
+                <a:t>)</a:t>
+              </a:r>
+            </a:p>
+            <a:p>
+              <a:endParaRPr lang="en-US" sz="1200" dirty="0"/>
+            </a:p>
+          </p:txBody>
+        </p:sp>
+        <p:grpSp>
+          <p:nvGrpSpPr>
+            <p:cNvPr id="17" name="Group 16">
+              <a:extLst>
+                <a:ext uri="{FF2B5EF4-FFF2-40B4-BE49-F238E27FC236}">
+                  <a16:creationId xmlns:a16="http://schemas.microsoft.com/office/drawing/2014/main" id="{3B23105E-8814-4745-A16E-344DEEA53D72}"/>
+                </a:ext>
+              </a:extLst>
+            </p:cNvPr>
+            <p:cNvGrpSpPr/>
+            <p:nvPr/>
+          </p:nvGrpSpPr>
+          <p:grpSpPr>
+            <a:xfrm>
+              <a:off x="2303216" y="2030445"/>
+              <a:ext cx="1181043" cy="276999"/>
+              <a:chOff x="1065402" y="1807746"/>
+              <a:chExt cx="1181043" cy="276999"/>
+            </a:xfrm>
+          </p:grpSpPr>
+          <p:cxnSp>
+            <p:nvCxnSpPr>
+              <p:cNvPr id="18" name="Straight Arrow Connector 17">
+                <a:extLst>
+                  <a:ext uri="{FF2B5EF4-FFF2-40B4-BE49-F238E27FC236}">
+                    <a16:creationId xmlns:a16="http://schemas.microsoft.com/office/drawing/2014/main" id="{317D6FD4-29D4-4908-8351-80020D5E8841}"/>
+                  </a:ext>
+                </a:extLst>
+              </p:cNvPr>
+              <p:cNvCxnSpPr/>
+              <p:nvPr/>
+            </p:nvCxnSpPr>
+            <p:spPr>
+              <a:xfrm>
+                <a:off x="1065402" y="1946246"/>
+                <a:ext cx="578840" cy="0"/>
+              </a:xfrm>
+              <a:prstGeom prst="straightConnector1">
+                <a:avLst/>
+              </a:prstGeom>
+              <a:ln w="38100">
+                <a:solidFill>
+                  <a:schemeClr val="tx1">
+                    <a:lumMod val="50000"/>
+                    <a:lumOff val="50000"/>
+                  </a:schemeClr>
+                </a:solidFill>
+                <a:tailEnd type="triangle"/>
+              </a:ln>
+            </p:spPr>
+            <p:style>
+              <a:lnRef idx="1">
+                <a:schemeClr val="accent1"/>
+              </a:lnRef>
+              <a:fillRef idx="0">
+                <a:schemeClr val="accent1"/>
+              </a:fillRef>
+              <a:effectRef idx="0">
+                <a:schemeClr val="accent1"/>
+              </a:effectRef>
+              <a:fontRef idx="minor">
+                <a:schemeClr val="tx1"/>
+              </a:fontRef>
+            </p:style>
+          </p:cxnSp>
+          <p:sp>
+            <p:nvSpPr>
+              <p:cNvPr id="19" name="TextBox 18">
+                <a:extLst>
+                  <a:ext uri="{FF2B5EF4-FFF2-40B4-BE49-F238E27FC236}">
+                    <a16:creationId xmlns:a16="http://schemas.microsoft.com/office/drawing/2014/main" id="{F4F117A9-2887-4294-8B01-B2112236C61E}"/>
+                  </a:ext>
+                </a:extLst>
+              </p:cNvPr>
+              <p:cNvSpPr txBox="1"/>
+              <p:nvPr/>
+            </p:nvSpPr>
+            <p:spPr>
+              <a:xfrm>
+                <a:off x="1718736" y="1807746"/>
+                <a:ext cx="527709" cy="276999"/>
+              </a:xfrm>
+              <a:prstGeom prst="rect">
+                <a:avLst/>
+              </a:prstGeom>
+              <a:noFill/>
+            </p:spPr>
+            <p:txBody>
+              <a:bodyPr wrap="none" rtlCol="0">
+                <a:spAutoFit/>
+              </a:bodyPr>
+              <a:lstStyle/>
+              <a:p>
+                <a:r>
+                  <a:rPr lang="en-US" sz="1200" dirty="0"/>
+                  <a:t>other</a:t>
+                </a:r>
+              </a:p>
+            </p:txBody>
+          </p:sp>
+        </p:grpSp>
+        <p:sp>
+          <p:nvSpPr>
+            <p:cNvPr id="20" name="Rectangle: Rounded Corners 19">
+              <a:extLst>
+                <a:ext uri="{FF2B5EF4-FFF2-40B4-BE49-F238E27FC236}">
+                  <a16:creationId xmlns:a16="http://schemas.microsoft.com/office/drawing/2014/main" id="{8A7BDD5D-501A-4D85-9922-677491BD537F}"/>
+                </a:ext>
+              </a:extLst>
+            </p:cNvPr>
+            <p:cNvSpPr/>
+            <p:nvPr/>
+          </p:nvSpPr>
+          <p:spPr>
+            <a:xfrm>
+              <a:off x="968852" y="1282724"/>
+              <a:ext cx="964735" cy="360726"/>
+            </a:xfrm>
+            <a:prstGeom prst="roundRect">
+              <a:avLst/>
+            </a:prstGeom>
+            <a:noFill/>
+            <a:ln w="28575">
+              <a:solidFill>
+                <a:schemeClr val="accent1"/>
+              </a:solidFill>
+            </a:ln>
+          </p:spPr>
+          <p:style>
+            <a:lnRef idx="2">
+              <a:schemeClr val="accent1">
+                <a:shade val="50000"/>
+              </a:schemeClr>
+            </a:lnRef>
+            <a:fillRef idx="1">
+              <a:schemeClr val="accent1"/>
+            </a:fillRef>
+            <a:effectRef idx="0">
+              <a:schemeClr val="accent1"/>
+            </a:effectRef>
+            <a:fontRef idx="minor">
+              <a:schemeClr val="lt1"/>
+            </a:fontRef>
+          </p:style>
+          <p:txBody>
+            <a:bodyPr rtlCol="0" anchor="ctr"/>
+            <a:lstStyle/>
+            <a:p>
+              <a:pPr algn="ctr"/>
+              <a:r>
+                <a:rPr lang="en-US" sz="1200" dirty="0">
+                  <a:solidFill>
+                    <a:schemeClr val="tx1"/>
+                  </a:solidFill>
+                </a:rPr>
+                <a:t>Component</a:t>
+              </a:r>
+            </a:p>
+          </p:txBody>
+        </p:sp>
+      </p:grpSp>
+    </p:spTree>
+    <p:extLst>
+      <p:ext uri="{BB962C8B-B14F-4D97-AF65-F5344CB8AC3E}">
+        <p14:creationId xmlns:p14="http://schemas.microsoft.com/office/powerpoint/2010/main" val="2416029821"/>
+      </p:ext>
+    </p:extLst>
+  </p:cSld>
+  <p:clrMapOvr>
+    <a:masterClrMapping/>
+  </p:clrMapOvr>
+</p:sld>
+</file>
+
 <file path=ppt/theme/theme1.xml><?xml version="1.0" encoding="utf-8"?>
 <a:theme xmlns:a="http://schemas.openxmlformats.org/drawingml/2006/main" name="Office Theme">
   <a:themeElements>
